--- a/제출서류/팀포트폴리오 기획서.pptx
+++ b/제출서류/팀포트폴리오 기획서.pptx
@@ -339,7 +339,7 @@
           <a:p>
             <a:fld id="{16A85863-0E0F-4905-A679-852FD8129E52}" type="datetimeFigureOut">
               <a:rPr lang="ko-KR" altLang="en-US" smtClean="0"/>
-              <a:t>2017-12-02</a:t>
+              <a:t>2017-12-03</a:t>
             </a:fld>
             <a:endParaRPr lang="ko-KR" altLang="en-US"/>
           </a:p>
@@ -547,7 +547,7 @@
           <a:p>
             <a:fld id="{16A85863-0E0F-4905-A679-852FD8129E52}" type="datetimeFigureOut">
               <a:rPr lang="ko-KR" altLang="en-US" smtClean="0"/>
-              <a:t>2017-12-02</a:t>
+              <a:t>2017-12-03</a:t>
             </a:fld>
             <a:endParaRPr lang="ko-KR" altLang="en-US"/>
           </a:p>
@@ -803,7 +803,7 @@
           <a:p>
             <a:fld id="{16A85863-0E0F-4905-A679-852FD8129E52}" type="datetimeFigureOut">
               <a:rPr lang="ko-KR" altLang="en-US" smtClean="0"/>
-              <a:t>2017-12-02</a:t>
+              <a:t>2017-12-03</a:t>
             </a:fld>
             <a:endParaRPr lang="ko-KR" altLang="en-US"/>
           </a:p>
@@ -977,7 +977,7 @@
           <a:p>
             <a:fld id="{16A85863-0E0F-4905-A679-852FD8129E52}" type="datetimeFigureOut">
               <a:rPr lang="ko-KR" altLang="en-US" smtClean="0"/>
-              <a:t>2017-12-02</a:t>
+              <a:t>2017-12-03</a:t>
             </a:fld>
             <a:endParaRPr lang="ko-KR" altLang="en-US"/>
           </a:p>
@@ -1320,7 +1320,7 @@
           <a:p>
             <a:fld id="{16A85863-0E0F-4905-A679-852FD8129E52}" type="datetimeFigureOut">
               <a:rPr lang="ko-KR" altLang="en-US" smtClean="0"/>
-              <a:t>2017-12-02</a:t>
+              <a:t>2017-12-03</a:t>
             </a:fld>
             <a:endParaRPr lang="ko-KR" altLang="en-US"/>
           </a:p>
@@ -1595,7 +1595,7 @@
           <a:p>
             <a:fld id="{16A85863-0E0F-4905-A679-852FD8129E52}" type="datetimeFigureOut">
               <a:rPr lang="ko-KR" altLang="en-US" smtClean="0"/>
-              <a:t>2017-12-02</a:t>
+              <a:t>2017-12-03</a:t>
             </a:fld>
             <a:endParaRPr lang="ko-KR" altLang="en-US"/>
           </a:p>
@@ -1974,7 +1974,7 @@
           <a:p>
             <a:fld id="{16A85863-0E0F-4905-A679-852FD8129E52}" type="datetimeFigureOut">
               <a:rPr lang="ko-KR" altLang="en-US" smtClean="0"/>
-              <a:t>2017-12-02</a:t>
+              <a:t>2017-12-03</a:t>
             </a:fld>
             <a:endParaRPr lang="ko-KR" altLang="en-US"/>
           </a:p>
@@ -2092,7 +2092,7 @@
           <a:p>
             <a:fld id="{16A85863-0E0F-4905-A679-852FD8129E52}" type="datetimeFigureOut">
               <a:rPr lang="ko-KR" altLang="en-US" smtClean="0"/>
-              <a:t>2017-12-02</a:t>
+              <a:t>2017-12-03</a:t>
             </a:fld>
             <a:endParaRPr lang="ko-KR" altLang="en-US"/>
           </a:p>
@@ -2263,7 +2263,7 @@
           <a:p>
             <a:fld id="{16A85863-0E0F-4905-A679-852FD8129E52}" type="datetimeFigureOut">
               <a:rPr lang="ko-KR" altLang="en-US" smtClean="0"/>
-              <a:t>2017-12-02</a:t>
+              <a:t>2017-12-03</a:t>
             </a:fld>
             <a:endParaRPr lang="ko-KR" altLang="en-US"/>
           </a:p>
@@ -2655,7 +2655,7 @@
           <a:p>
             <a:fld id="{16A85863-0E0F-4905-A679-852FD8129E52}" type="datetimeFigureOut">
               <a:rPr lang="ko-KR" altLang="en-US" smtClean="0"/>
-              <a:t>2017-12-02</a:t>
+              <a:t>2017-12-03</a:t>
             </a:fld>
             <a:endParaRPr lang="ko-KR" altLang="en-US"/>
           </a:p>
@@ -3037,7 +3037,7 @@
           <a:p>
             <a:fld id="{16A85863-0E0F-4905-A679-852FD8129E52}" type="datetimeFigureOut">
               <a:rPr lang="ko-KR" altLang="en-US" smtClean="0"/>
-              <a:t>2017-12-02</a:t>
+              <a:t>2017-12-03</a:t>
             </a:fld>
             <a:endParaRPr lang="ko-KR" altLang="en-US"/>
           </a:p>
@@ -3324,7 +3324,7 @@
           <a:p>
             <a:fld id="{16A85863-0E0F-4905-A679-852FD8129E52}" type="datetimeFigureOut">
               <a:rPr lang="ko-KR" altLang="en-US" smtClean="0"/>
-              <a:t>2017-12-02</a:t>
+              <a:t>2017-12-03</a:t>
             </a:fld>
             <a:endParaRPr lang="ko-KR" altLang="en-US"/>
           </a:p>
@@ -4062,11 +4062,7 @@
             </a:pPr>
             <a:r>
               <a:rPr lang="ko-KR" altLang="en-US" dirty="0" smtClean="0"/>
-              <a:t> </a:t>
-            </a:r>
-            <a:r>
-              <a:rPr lang="ko-KR" altLang="en-US" dirty="0" smtClean="0"/>
-              <a:t>게임특징</a:t>
+              <a:t> 게임특징</a:t>
             </a:r>
             <a:endParaRPr lang="en-US" altLang="ko-KR" dirty="0" smtClean="0"/>
           </a:p>
@@ -4396,9 +4392,12 @@
             </a:r>
             <a:r>
               <a:rPr lang="en-US" altLang="ko-KR" dirty="0" smtClean="0"/>
-              <a:t>, A*</a:t>
-            </a:r>
-            <a:endParaRPr lang="en-US" altLang="ko-KR" dirty="0" smtClean="0"/>
+              <a:t>, A</a:t>
+            </a:r>
+            <a:r>
+              <a:rPr lang="en-US" altLang="ko-KR" dirty="0" smtClean="0"/>
+              <a:t>*</a:t>
+            </a:r>
           </a:p>
           <a:p>
             <a:pPr>
@@ -4406,42 +4405,29 @@
               <a:buChar char="•"/>
             </a:pPr>
             <a:r>
-              <a:rPr lang="ko-KR" altLang="en-US" dirty="0" smtClean="0"/>
-              <a:t> </a:t>
-            </a:r>
-            <a:r>
-              <a:rPr lang="ko-KR" altLang="en-US" dirty="0" err="1" smtClean="0"/>
-              <a:t>이한얼</a:t>
-            </a:r>
-            <a:r>
-              <a:rPr lang="en-US" altLang="ko-KR" dirty="0" smtClean="0"/>
+              <a:rPr lang="ko-KR" altLang="en-US" dirty="0"/>
+              <a:t> 한규현</a:t>
+            </a:r>
+            <a:r>
+              <a:rPr lang="en-US" altLang="ko-KR" dirty="0"/>
               <a:t> – </a:t>
             </a:r>
             <a:r>
-              <a:rPr lang="ko-KR" altLang="en-US" dirty="0" err="1" smtClean="0"/>
-              <a:t>맵에디터</a:t>
-            </a:r>
-            <a:r>
-              <a:rPr lang="en-US" altLang="ko-KR" dirty="0" smtClean="0"/>
-              <a:t>, </a:t>
-            </a:r>
-            <a:r>
-              <a:rPr lang="ko-KR" altLang="en-US" dirty="0" err="1" smtClean="0"/>
-              <a:t>게임내</a:t>
-            </a:r>
-            <a:r>
-              <a:rPr lang="ko-KR" altLang="en-US" dirty="0" smtClean="0"/>
-              <a:t> </a:t>
-            </a:r>
-            <a:r>
-              <a:rPr lang="ko-KR" altLang="en-US" dirty="0" err="1" smtClean="0"/>
-              <a:t>맵</a:t>
-            </a:r>
-            <a:r>
-              <a:rPr lang="ko-KR" altLang="en-US" dirty="0" smtClean="0"/>
-              <a:t> 데이터 로딩</a:t>
-            </a:r>
-            <a:endParaRPr lang="en-US" altLang="ko-KR" dirty="0"/>
+              <a:rPr lang="ko-KR" altLang="en-US" dirty="0"/>
+              <a:t>대화씬</a:t>
+            </a:r>
+            <a:r>
+              <a:rPr lang="en-US" altLang="ko-KR" dirty="0"/>
+              <a:t>(</a:t>
+            </a:r>
+            <a:r>
+              <a:rPr lang="ko-KR" altLang="en-US" dirty="0"/>
+              <a:t>대화 스크립트</a:t>
+            </a:r>
+            <a:r>
+              <a:rPr lang="en-US" altLang="ko-KR" dirty="0"/>
+              <a:t>)</a:t>
+            </a:r>
           </a:p>
           <a:p>
             <a:pPr>
@@ -4449,38 +4435,41 @@
               <a:buChar char="•"/>
             </a:pPr>
             <a:r>
-              <a:rPr lang="ko-KR" altLang="en-US" dirty="0" smtClean="0"/>
-              <a:t> 허경일 </a:t>
+              <a:rPr lang="en-US" altLang="ko-KR" dirty="0" smtClean="0"/>
+              <a:t> </a:t>
+            </a:r>
+            <a:r>
+              <a:rPr lang="ko-KR" altLang="en-US" dirty="0"/>
+              <a:t>이동희</a:t>
             </a:r>
             <a:r>
               <a:rPr lang="en-US" altLang="ko-KR" dirty="0"/>
-              <a:t>– </a:t>
-            </a:r>
-            <a:r>
-              <a:rPr lang="ko-KR" altLang="en-US" dirty="0" err="1" smtClean="0"/>
-              <a:t>유닛에디터</a:t>
-            </a:r>
-            <a:r>
-              <a:rPr lang="en-US" altLang="ko-KR" dirty="0" smtClean="0"/>
+              <a:t> – </a:t>
+            </a:r>
+            <a:r>
+              <a:rPr lang="ko-KR" altLang="en-US" dirty="0" err="1"/>
+              <a:t>출전씬</a:t>
+            </a:r>
+            <a:r>
+              <a:rPr lang="en-US" altLang="ko-KR" dirty="0"/>
+              <a:t>(</a:t>
+            </a:r>
+            <a:r>
+              <a:rPr lang="ko-KR" altLang="en-US" dirty="0"/>
+              <a:t>출전장수 선택</a:t>
+            </a:r>
+            <a:r>
+              <a:rPr lang="en-US" altLang="ko-KR" dirty="0"/>
               <a:t>, </a:t>
             </a:r>
             <a:r>
-              <a:rPr lang="ko-KR" altLang="en-US" dirty="0" err="1" smtClean="0"/>
-              <a:t>전투씬</a:t>
-            </a:r>
-            <a:r>
-              <a:rPr lang="en-US" altLang="ko-KR" dirty="0" smtClean="0"/>
-              <a:t>(</a:t>
-            </a:r>
-            <a:r>
-              <a:rPr lang="ko-KR" altLang="en-US" dirty="0" err="1" smtClean="0"/>
-              <a:t>유닛관리</a:t>
-            </a:r>
-            <a:r>
-              <a:rPr lang="en-US" altLang="ko-KR" dirty="0" smtClean="0"/>
+              <a:rPr lang="ko-KR" altLang="en-US" dirty="0"/>
+              <a:t>아이템 관리</a:t>
+            </a:r>
+            <a:r>
+              <a:rPr lang="en-US" altLang="ko-KR" dirty="0"/>
               <a:t>)</a:t>
             </a:r>
-            <a:endParaRPr lang="en-US" altLang="ko-KR" dirty="0" smtClean="0"/>
           </a:p>
           <a:p>
             <a:pPr>
@@ -4489,7 +4478,7 @@
             </a:pPr>
             <a:r>
               <a:rPr lang="ko-KR" altLang="en-US" dirty="0" smtClean="0"/>
-              <a:t> 한규현</a:t>
+              <a:t> 박현준</a:t>
             </a:r>
             <a:r>
               <a:rPr lang="en-US" altLang="ko-KR" dirty="0" smtClean="0"/>
@@ -4500,22 +4489,41 @@
               <a:t>– </a:t>
             </a:r>
             <a:r>
-              <a:rPr lang="ko-KR" altLang="en-US" dirty="0" smtClean="0"/>
-              <a:t>대화씬</a:t>
-            </a:r>
-            <a:r>
-              <a:rPr lang="en-US" altLang="ko-KR" dirty="0" smtClean="0"/>
+              <a:rPr lang="ko-KR" altLang="en-US" dirty="0" err="1"/>
+              <a:t>전투씬</a:t>
+            </a:r>
+            <a:r>
+              <a:rPr lang="en-US" altLang="ko-KR" dirty="0"/>
               <a:t>(</a:t>
             </a:r>
             <a:r>
-              <a:rPr lang="ko-KR" altLang="en-US" dirty="0" smtClean="0"/>
-              <a:t>대화 스크립트</a:t>
+              <a:rPr lang="ko-KR" altLang="en-US" dirty="0"/>
+              <a:t>전투 총괄</a:t>
             </a:r>
             <a:r>
               <a:rPr lang="en-US" altLang="ko-KR" dirty="0"/>
-              <a:t>)</a:t>
-            </a:r>
-            <a:endParaRPr lang="en-US" altLang="ko-KR" dirty="0" smtClean="0"/>
+              <a:t>, </a:t>
+            </a:r>
+            <a:r>
+              <a:rPr lang="ko-KR" altLang="en-US" dirty="0"/>
+              <a:t>플레이어 마우스 이벤트 처리</a:t>
+            </a:r>
+            <a:r>
+              <a:rPr lang="en-US" altLang="ko-KR" dirty="0"/>
+              <a:t>, </a:t>
+            </a:r>
+            <a:r>
+              <a:rPr lang="ko-KR" altLang="en-US" dirty="0" err="1"/>
+              <a:t>유닛</a:t>
+            </a:r>
+            <a:r>
+              <a:rPr lang="ko-KR" altLang="en-US" dirty="0"/>
+              <a:t> 관리</a:t>
+            </a:r>
+            <a:r>
+              <a:rPr lang="en-US" altLang="ko-KR" dirty="0"/>
+              <a:t>) </a:t>
+            </a:r>
           </a:p>
           <a:p>
             <a:pPr>
@@ -4523,54 +4531,38 @@
               <a:buChar char="•"/>
             </a:pPr>
             <a:r>
+              <a:rPr lang="ko-KR" altLang="en-US" dirty="0"/>
+              <a:t> 허경일 </a:t>
+            </a:r>
+            <a:r>
               <a:rPr lang="en-US" altLang="ko-KR" dirty="0"/>
-              <a:t> </a:t>
-            </a:r>
-            <a:r>
-              <a:rPr lang="ko-KR" altLang="en-US" dirty="0" smtClean="0"/>
-              <a:t>박현준</a:t>
+              <a:t>– </a:t>
+            </a:r>
+            <a:r>
+              <a:rPr lang="ko-KR" altLang="en-US" dirty="0" err="1"/>
+              <a:t>유닛에디터</a:t>
+            </a:r>
+            <a:r>
+              <a:rPr lang="en-US" altLang="ko-KR" dirty="0"/>
+              <a:t>, </a:t>
+            </a:r>
+            <a:r>
+              <a:rPr lang="ko-KR" altLang="en-US" dirty="0" err="1"/>
+              <a:t>전투씬</a:t>
+            </a:r>
+            <a:r>
+              <a:rPr lang="en-US" altLang="ko-KR" dirty="0"/>
+              <a:t>(</a:t>
+            </a:r>
+            <a:r>
+              <a:rPr lang="ko-KR" altLang="en-US" dirty="0" err="1"/>
+              <a:t>유닛관리</a:t>
             </a:r>
             <a:r>
               <a:rPr lang="en-US" altLang="ko-KR" dirty="0" smtClean="0"/>
-              <a:t> – </a:t>
-            </a:r>
-            <a:r>
-              <a:rPr lang="ko-KR" altLang="en-US" dirty="0" err="1" smtClean="0"/>
-              <a:t>전투씬</a:t>
-            </a:r>
-            <a:r>
-              <a:rPr lang="en-US" altLang="ko-KR" dirty="0" smtClean="0"/>
-              <a:t>(</a:t>
-            </a:r>
-            <a:r>
-              <a:rPr lang="ko-KR" altLang="en-US" dirty="0" smtClean="0"/>
-              <a:t>전투 총괄</a:t>
-            </a:r>
-            <a:r>
-              <a:rPr lang="en-US" altLang="ko-KR" dirty="0" smtClean="0"/>
-              <a:t>, </a:t>
-            </a:r>
-            <a:r>
-              <a:rPr lang="ko-KR" altLang="en-US" dirty="0" smtClean="0"/>
-              <a:t>플레이어 마우스 이벤트 처리</a:t>
-            </a:r>
-            <a:r>
-              <a:rPr lang="en-US" altLang="ko-KR" dirty="0" smtClean="0"/>
-              <a:t>, </a:t>
-            </a:r>
-            <a:r>
-              <a:rPr lang="ko-KR" altLang="en-US" dirty="0" err="1" smtClean="0"/>
-              <a:t>유닛</a:t>
-            </a:r>
-            <a:r>
-              <a:rPr lang="ko-KR" altLang="en-US" dirty="0" smtClean="0"/>
-              <a:t> 관리</a:t>
-            </a:r>
-            <a:r>
-              <a:rPr lang="en-US" altLang="ko-KR" dirty="0" smtClean="0"/>
-              <a:t>) </a:t>
-            </a:r>
-            <a:endParaRPr lang="en-US" altLang="ko-KR" dirty="0"/>
+              <a:t>)</a:t>
+            </a:r>
+            <a:endParaRPr lang="en-US" altLang="ko-KR" dirty="0" smtClean="0"/>
           </a:p>
           <a:p>
             <a:pPr>
@@ -4578,12 +4570,12 @@
               <a:buChar char="•"/>
             </a:pPr>
             <a:r>
-              <a:rPr lang="en-US" altLang="ko-KR" dirty="0"/>
+              <a:rPr lang="ko-KR" altLang="en-US" dirty="0" smtClean="0"/>
               <a:t> </a:t>
             </a:r>
             <a:r>
-              <a:rPr lang="ko-KR" altLang="en-US" dirty="0" smtClean="0"/>
-              <a:t>이동희</a:t>
+              <a:rPr lang="ko-KR" altLang="en-US" dirty="0" err="1" smtClean="0"/>
+              <a:t>이한얼</a:t>
             </a:r>
             <a:r>
               <a:rPr lang="en-US" altLang="ko-KR" dirty="0" smtClean="0"/>
@@ -4591,27 +4583,31 @@
             </a:r>
             <a:r>
               <a:rPr lang="ko-KR" altLang="en-US" dirty="0" err="1" smtClean="0"/>
-              <a:t>출전씬</a:t>
-            </a:r>
-            <a:r>
-              <a:rPr lang="en-US" altLang="ko-KR" dirty="0" smtClean="0"/>
-              <a:t>(</a:t>
-            </a:r>
-            <a:r>
-              <a:rPr lang="ko-KR" altLang="en-US" dirty="0" smtClean="0"/>
-              <a:t>출전장수 선택</a:t>
+              <a:t>맵에디터</a:t>
             </a:r>
             <a:r>
               <a:rPr lang="en-US" altLang="ko-KR" dirty="0" smtClean="0"/>
               <a:t>, </a:t>
             </a:r>
             <a:r>
+              <a:rPr lang="ko-KR" altLang="en-US" dirty="0" err="1" smtClean="0"/>
+              <a:t>게임내</a:t>
+            </a:r>
+            <a:r>
               <a:rPr lang="ko-KR" altLang="en-US" dirty="0" smtClean="0"/>
-              <a:t>아이템 관리</a:t>
-            </a:r>
-            <a:r>
-              <a:rPr lang="en-US" altLang="ko-KR" dirty="0" smtClean="0"/>
-              <a:t>)</a:t>
+              <a:t> </a:t>
+            </a:r>
+            <a:r>
+              <a:rPr lang="ko-KR" altLang="en-US" dirty="0" err="1" smtClean="0"/>
+              <a:t>맵</a:t>
+            </a:r>
+            <a:r>
+              <a:rPr lang="ko-KR" altLang="en-US" dirty="0" smtClean="0"/>
+              <a:t> 데이터 </a:t>
+            </a:r>
+            <a:r>
+              <a:rPr lang="ko-KR" altLang="en-US" dirty="0" smtClean="0"/>
+              <a:t>로딩</a:t>
             </a:r>
             <a:endParaRPr lang="en-US" altLang="ko-KR" dirty="0"/>
           </a:p>
@@ -6653,11 +6649,6 @@
               </a:rPr>
               <a:t>)</a:t>
             </a:r>
-            <a:endParaRPr lang="en-US" altLang="ko-KR" dirty="0" smtClean="0">
-              <a:solidFill>
-                <a:schemeClr val="tx1"/>
-              </a:solidFill>
-            </a:endParaRPr>
           </a:p>
         </p:txBody>
       </p:sp>
@@ -7086,14 +7077,14 @@
                 <a:gridCol w="3084431">
                   <a:extLst>
                     <a:ext uri="{9D8B030D-6E8A-4147-A177-3AD203B41FA5}">
-                      <a16:colId xmlns:a16="http://schemas.microsoft.com/office/drawing/2014/main" xmlns="" val="20000"/>
+                      <a16:colId xmlns="" xmlns:a16="http://schemas.microsoft.com/office/drawing/2014/main" val="20000"/>
                     </a:ext>
                   </a:extLst>
                 </a:gridCol>
                 <a:gridCol w="489593">
                   <a:extLst>
                     <a:ext uri="{9D8B030D-6E8A-4147-A177-3AD203B41FA5}">
-                      <a16:colId xmlns:a16="http://schemas.microsoft.com/office/drawing/2014/main" xmlns="" val="20001"/>
+                      <a16:colId xmlns="" xmlns:a16="http://schemas.microsoft.com/office/drawing/2014/main" val="20001"/>
                     </a:ext>
                   </a:extLst>
                 </a:gridCol>
@@ -7101,7 +7092,7 @@
                 <a:gridCol w="489593">
                   <a:extLst>
                     <a:ext uri="{9D8B030D-6E8A-4147-A177-3AD203B41FA5}">
-                      <a16:colId xmlns:a16="http://schemas.microsoft.com/office/drawing/2014/main" xmlns="" val="20002"/>
+                      <a16:colId xmlns="" xmlns:a16="http://schemas.microsoft.com/office/drawing/2014/main" val="20002"/>
                     </a:ext>
                   </a:extLst>
                 </a:gridCol>
@@ -7109,7 +7100,7 @@
                 <a:gridCol w="489593">
                   <a:extLst>
                     <a:ext uri="{9D8B030D-6E8A-4147-A177-3AD203B41FA5}">
-                      <a16:colId xmlns:a16="http://schemas.microsoft.com/office/drawing/2014/main" xmlns="" val="20003"/>
+                      <a16:colId xmlns="" xmlns:a16="http://schemas.microsoft.com/office/drawing/2014/main" val="20003"/>
                     </a:ext>
                   </a:extLst>
                 </a:gridCol>
@@ -7117,7 +7108,7 @@
                 <a:gridCol w="489593">
                   <a:extLst>
                     <a:ext uri="{9D8B030D-6E8A-4147-A177-3AD203B41FA5}">
-                      <a16:colId xmlns:a16="http://schemas.microsoft.com/office/drawing/2014/main" xmlns="" val="20004"/>
+                      <a16:colId xmlns="" xmlns:a16="http://schemas.microsoft.com/office/drawing/2014/main" val="20004"/>
                     </a:ext>
                   </a:extLst>
                 </a:gridCol>
@@ -7125,7 +7116,7 @@
                 <a:gridCol w="489593">
                   <a:extLst>
                     <a:ext uri="{9D8B030D-6E8A-4147-A177-3AD203B41FA5}">
-                      <a16:colId xmlns:a16="http://schemas.microsoft.com/office/drawing/2014/main" xmlns="" val="20005"/>
+                      <a16:colId xmlns="" xmlns:a16="http://schemas.microsoft.com/office/drawing/2014/main" val="20005"/>
                     </a:ext>
                   </a:extLst>
                 </a:gridCol>
@@ -7133,7 +7124,7 @@
                 <a:gridCol w="489593">
                   <a:extLst>
                     <a:ext uri="{9D8B030D-6E8A-4147-A177-3AD203B41FA5}">
-                      <a16:colId xmlns:a16="http://schemas.microsoft.com/office/drawing/2014/main" xmlns="" val="20006"/>
+                      <a16:colId xmlns="" xmlns:a16="http://schemas.microsoft.com/office/drawing/2014/main" val="20006"/>
                     </a:ext>
                   </a:extLst>
                 </a:gridCol>
@@ -7141,7 +7132,7 @@
                 <a:gridCol w="489593">
                   <a:extLst>
                     <a:ext uri="{9D8B030D-6E8A-4147-A177-3AD203B41FA5}">
-                      <a16:colId xmlns:a16="http://schemas.microsoft.com/office/drawing/2014/main" xmlns="" val="20007"/>
+                      <a16:colId xmlns="" xmlns:a16="http://schemas.microsoft.com/office/drawing/2014/main" val="20007"/>
                     </a:ext>
                   </a:extLst>
                 </a:gridCol>
@@ -7748,7 +7739,7 @@
                 </a:tc>
                 <a:extLst>
                   <a:ext uri="{0D108BD9-81ED-4DB2-BD59-A6C34878D82A}">
-                    <a16:rowId xmlns:a16="http://schemas.microsoft.com/office/drawing/2014/main" xmlns="" val="10000"/>
+                    <a16:rowId xmlns="" xmlns:a16="http://schemas.microsoft.com/office/drawing/2014/main" val="10000"/>
                   </a:ext>
                 </a:extLst>
               </a:tr>
@@ -7781,15 +7772,7 @@
                             <a:schemeClr val="bg1"/>
                           </a:solidFill>
                         </a:rPr>
-                        <a:t>이미지 </a:t>
-                      </a:r>
-                      <a:r>
-                        <a:rPr lang="ko-KR" altLang="en-US" b="1" dirty="0" smtClean="0">
-                          <a:solidFill>
-                            <a:schemeClr val="bg1"/>
-                          </a:solidFill>
-                        </a:rPr>
-                        <a:t>추출</a:t>
+                        <a:t>이미지 추출</a:t>
                       </a:r>
                     </a:p>
                   </a:txBody>
@@ -8167,7 +8150,7 @@
                 </a:tc>
                 <a:extLst>
                   <a:ext uri="{0D108BD9-81ED-4DB2-BD59-A6C34878D82A}">
-                    <a16:rowId xmlns:a16="http://schemas.microsoft.com/office/drawing/2014/main" xmlns="" val="10001"/>
+                    <a16:rowId xmlns="" xmlns:a16="http://schemas.microsoft.com/office/drawing/2014/main" val="10001"/>
                   </a:ext>
                 </a:extLst>
               </a:tr>
@@ -8668,7 +8651,7 @@
                 </a:tc>
                 <a:extLst>
                   <a:ext uri="{0D108BD9-81ED-4DB2-BD59-A6C34878D82A}">
-                    <a16:rowId xmlns:a16="http://schemas.microsoft.com/office/drawing/2014/main" xmlns="" val="10002"/>
+                    <a16:rowId xmlns="" xmlns:a16="http://schemas.microsoft.com/office/drawing/2014/main" val="10002"/>
                   </a:ext>
                 </a:extLst>
               </a:tr>
@@ -9207,7 +9190,7 @@
                 </a:tc>
                 <a:extLst>
                   <a:ext uri="{0D108BD9-81ED-4DB2-BD59-A6C34878D82A}">
-                    <a16:rowId xmlns:a16="http://schemas.microsoft.com/office/drawing/2014/main" xmlns="" val="10003"/>
+                    <a16:rowId xmlns="" xmlns:a16="http://schemas.microsoft.com/office/drawing/2014/main" val="10003"/>
                   </a:ext>
                 </a:extLst>
               </a:tr>
@@ -9708,7 +9691,7 @@
                 </a:tc>
                 <a:extLst>
                   <a:ext uri="{0D108BD9-81ED-4DB2-BD59-A6C34878D82A}">
-                    <a16:rowId xmlns:a16="http://schemas.microsoft.com/office/drawing/2014/main" xmlns="" val="10004"/>
+                    <a16:rowId xmlns="" xmlns:a16="http://schemas.microsoft.com/office/drawing/2014/main" val="10004"/>
                   </a:ext>
                 </a:extLst>
               </a:tr>
@@ -10228,7 +10211,7 @@
                 </a:tc>
                 <a:extLst>
                   <a:ext uri="{0D108BD9-81ED-4DB2-BD59-A6C34878D82A}">
-                    <a16:rowId xmlns:a16="http://schemas.microsoft.com/office/drawing/2014/main" xmlns="" val="10005"/>
+                    <a16:rowId xmlns="" xmlns:a16="http://schemas.microsoft.com/office/drawing/2014/main" val="10005"/>
                   </a:ext>
                 </a:extLst>
               </a:tr>
@@ -10723,7 +10706,7 @@
                 </a:tc>
                 <a:extLst>
                   <a:ext uri="{0D108BD9-81ED-4DB2-BD59-A6C34878D82A}">
-                    <a16:rowId xmlns:a16="http://schemas.microsoft.com/office/drawing/2014/main" xmlns="" val="10006"/>
+                    <a16:rowId xmlns="" xmlns:a16="http://schemas.microsoft.com/office/drawing/2014/main" val="10006"/>
                   </a:ext>
                 </a:extLst>
               </a:tr>
@@ -11243,7 +11226,7 @@
                 </a:tc>
                 <a:extLst>
                   <a:ext uri="{0D108BD9-81ED-4DB2-BD59-A6C34878D82A}">
-                    <a16:rowId xmlns:a16="http://schemas.microsoft.com/office/drawing/2014/main" xmlns="" val="10007"/>
+                    <a16:rowId xmlns="" xmlns:a16="http://schemas.microsoft.com/office/drawing/2014/main" val="10007"/>
                   </a:ext>
                 </a:extLst>
               </a:tr>
@@ -11734,7 +11717,7 @@
                 </a:tc>
                 <a:extLst>
                   <a:ext uri="{0D108BD9-81ED-4DB2-BD59-A6C34878D82A}">
-                    <a16:rowId xmlns:a16="http://schemas.microsoft.com/office/drawing/2014/main" xmlns="" val="10008"/>
+                    <a16:rowId xmlns="" xmlns:a16="http://schemas.microsoft.com/office/drawing/2014/main" val="10008"/>
                   </a:ext>
                 </a:extLst>
               </a:tr>
@@ -12250,7 +12233,7 @@
                 </a:tc>
                 <a:extLst>
                   <a:ext uri="{0D108BD9-81ED-4DB2-BD59-A6C34878D82A}">
-                    <a16:rowId xmlns:a16="http://schemas.microsoft.com/office/drawing/2014/main" xmlns="" val="10009"/>
+                    <a16:rowId xmlns="" xmlns:a16="http://schemas.microsoft.com/office/drawing/2014/main" val="10009"/>
                   </a:ext>
                 </a:extLst>
               </a:tr>
@@ -12739,7 +12722,7 @@
                 </a:tc>
                 <a:extLst>
                   <a:ext uri="{0D108BD9-81ED-4DB2-BD59-A6C34878D82A}">
-                    <a16:rowId xmlns:a16="http://schemas.microsoft.com/office/drawing/2014/main" xmlns="" val="10010"/>
+                    <a16:rowId xmlns="" xmlns:a16="http://schemas.microsoft.com/office/drawing/2014/main" val="10010"/>
                   </a:ext>
                 </a:extLst>
               </a:tr>
@@ -13271,7 +13254,7 @@
                 </a:tc>
                 <a:extLst>
                   <a:ext uri="{0D108BD9-81ED-4DB2-BD59-A6C34878D82A}">
-                    <a16:rowId xmlns:a16="http://schemas.microsoft.com/office/drawing/2014/main" xmlns="" val="10011"/>
+                    <a16:rowId xmlns="" xmlns:a16="http://schemas.microsoft.com/office/drawing/2014/main" val="10011"/>
                   </a:ext>
                 </a:extLst>
               </a:tr>
@@ -13756,7 +13739,7 @@
                 </a:tc>
                 <a:extLst>
                   <a:ext uri="{0D108BD9-81ED-4DB2-BD59-A6C34878D82A}">
-                    <a16:rowId xmlns:a16="http://schemas.microsoft.com/office/drawing/2014/main" xmlns="" val="10012"/>
+                    <a16:rowId xmlns="" xmlns:a16="http://schemas.microsoft.com/office/drawing/2014/main" val="10012"/>
                   </a:ext>
                 </a:extLst>
               </a:tr>
@@ -14281,7 +14264,7 @@
                 </a:tc>
                 <a:extLst>
                   <a:ext uri="{0D108BD9-81ED-4DB2-BD59-A6C34878D82A}">
-                    <a16:rowId xmlns:a16="http://schemas.microsoft.com/office/drawing/2014/main" xmlns="" val="10013"/>
+                    <a16:rowId xmlns="" xmlns:a16="http://schemas.microsoft.com/office/drawing/2014/main" val="10013"/>
                   </a:ext>
                 </a:extLst>
               </a:tr>
@@ -14772,7 +14755,7 @@
                 </a:tc>
                 <a:extLst>
                   <a:ext uri="{0D108BD9-81ED-4DB2-BD59-A6C34878D82A}">
-                    <a16:rowId xmlns:a16="http://schemas.microsoft.com/office/drawing/2014/main" xmlns="" val="10014"/>
+                    <a16:rowId xmlns="" xmlns:a16="http://schemas.microsoft.com/office/drawing/2014/main" val="10014"/>
                   </a:ext>
                 </a:extLst>
               </a:tr>
@@ -16584,7 +16567,7 @@
   <a:extraClrSchemeLst/>
   <a:extLst>
     <a:ext uri="{05A4C25C-085E-4340-85A3-A5531E510DB2}">
-      <thm15:themeFamily xmlns:thm15="http://schemas.microsoft.com/office/thememl/2012/main" xmlns="" name="Retrospect" id="{5F128B03-DCCA-4EEB-AB3B-CF2899314A46}" vid="{3F1AAB62-24C6-49D2-8E01-B56FAC9A3DCD}"/>
+      <thm15:themeFamily xmlns="" xmlns:thm15="http://schemas.microsoft.com/office/thememl/2012/main" name="Retrospect" id="{5F128B03-DCCA-4EEB-AB3B-CF2899314A46}" vid="{3F1AAB62-24C6-49D2-8E01-B56FAC9A3DCD}"/>
     </a:ext>
   </a:extLst>
 </a:theme>

--- a/제출서류/팀포트폴리오 기획서.pptx
+++ b/제출서류/팀포트폴리오 기획서.pptx
@@ -339,7 +339,7 @@
           <a:p>
             <a:fld id="{16A85863-0E0F-4905-A679-852FD8129E52}" type="datetimeFigureOut">
               <a:rPr lang="ko-KR" altLang="en-US" smtClean="0"/>
-              <a:t>2017-12-03</a:t>
+              <a:t>2017-12-04</a:t>
             </a:fld>
             <a:endParaRPr lang="ko-KR" altLang="en-US"/>
           </a:p>
@@ -547,7 +547,7 @@
           <a:p>
             <a:fld id="{16A85863-0E0F-4905-A679-852FD8129E52}" type="datetimeFigureOut">
               <a:rPr lang="ko-KR" altLang="en-US" smtClean="0"/>
-              <a:t>2017-12-03</a:t>
+              <a:t>2017-12-04</a:t>
             </a:fld>
             <a:endParaRPr lang="ko-KR" altLang="en-US"/>
           </a:p>
@@ -803,7 +803,7 @@
           <a:p>
             <a:fld id="{16A85863-0E0F-4905-A679-852FD8129E52}" type="datetimeFigureOut">
               <a:rPr lang="ko-KR" altLang="en-US" smtClean="0"/>
-              <a:t>2017-12-03</a:t>
+              <a:t>2017-12-04</a:t>
             </a:fld>
             <a:endParaRPr lang="ko-KR" altLang="en-US"/>
           </a:p>
@@ -977,7 +977,7 @@
           <a:p>
             <a:fld id="{16A85863-0E0F-4905-A679-852FD8129E52}" type="datetimeFigureOut">
               <a:rPr lang="ko-KR" altLang="en-US" smtClean="0"/>
-              <a:t>2017-12-03</a:t>
+              <a:t>2017-12-04</a:t>
             </a:fld>
             <a:endParaRPr lang="ko-KR" altLang="en-US"/>
           </a:p>
@@ -1320,7 +1320,7 @@
           <a:p>
             <a:fld id="{16A85863-0E0F-4905-A679-852FD8129E52}" type="datetimeFigureOut">
               <a:rPr lang="ko-KR" altLang="en-US" smtClean="0"/>
-              <a:t>2017-12-03</a:t>
+              <a:t>2017-12-04</a:t>
             </a:fld>
             <a:endParaRPr lang="ko-KR" altLang="en-US"/>
           </a:p>
@@ -1595,7 +1595,7 @@
           <a:p>
             <a:fld id="{16A85863-0E0F-4905-A679-852FD8129E52}" type="datetimeFigureOut">
               <a:rPr lang="ko-KR" altLang="en-US" smtClean="0"/>
-              <a:t>2017-12-03</a:t>
+              <a:t>2017-12-04</a:t>
             </a:fld>
             <a:endParaRPr lang="ko-KR" altLang="en-US"/>
           </a:p>
@@ -1974,7 +1974,7 @@
           <a:p>
             <a:fld id="{16A85863-0E0F-4905-A679-852FD8129E52}" type="datetimeFigureOut">
               <a:rPr lang="ko-KR" altLang="en-US" smtClean="0"/>
-              <a:t>2017-12-03</a:t>
+              <a:t>2017-12-04</a:t>
             </a:fld>
             <a:endParaRPr lang="ko-KR" altLang="en-US"/>
           </a:p>
@@ -2092,7 +2092,7 @@
           <a:p>
             <a:fld id="{16A85863-0E0F-4905-A679-852FD8129E52}" type="datetimeFigureOut">
               <a:rPr lang="ko-KR" altLang="en-US" smtClean="0"/>
-              <a:t>2017-12-03</a:t>
+              <a:t>2017-12-04</a:t>
             </a:fld>
             <a:endParaRPr lang="ko-KR" altLang="en-US"/>
           </a:p>
@@ -2263,7 +2263,7 @@
           <a:p>
             <a:fld id="{16A85863-0E0F-4905-A679-852FD8129E52}" type="datetimeFigureOut">
               <a:rPr lang="ko-KR" altLang="en-US" smtClean="0"/>
-              <a:t>2017-12-03</a:t>
+              <a:t>2017-12-04</a:t>
             </a:fld>
             <a:endParaRPr lang="ko-KR" altLang="en-US"/>
           </a:p>
@@ -2655,7 +2655,7 @@
           <a:p>
             <a:fld id="{16A85863-0E0F-4905-A679-852FD8129E52}" type="datetimeFigureOut">
               <a:rPr lang="ko-KR" altLang="en-US" smtClean="0"/>
-              <a:t>2017-12-03</a:t>
+              <a:t>2017-12-04</a:t>
             </a:fld>
             <a:endParaRPr lang="ko-KR" altLang="en-US"/>
           </a:p>
@@ -3037,7 +3037,7 @@
           <a:p>
             <a:fld id="{16A85863-0E0F-4905-A679-852FD8129E52}" type="datetimeFigureOut">
               <a:rPr lang="ko-KR" altLang="en-US" smtClean="0"/>
-              <a:t>2017-12-03</a:t>
+              <a:t>2017-12-04</a:t>
             </a:fld>
             <a:endParaRPr lang="ko-KR" altLang="en-US"/>
           </a:p>
@@ -3324,7 +3324,7 @@
           <a:p>
             <a:fld id="{16A85863-0E0F-4905-A679-852FD8129E52}" type="datetimeFigureOut">
               <a:rPr lang="ko-KR" altLang="en-US" smtClean="0"/>
-              <a:t>2017-12-03</a:t>
+              <a:t>2017-12-04</a:t>
             </a:fld>
             <a:endParaRPr lang="ko-KR" altLang="en-US"/>
           </a:p>
@@ -3920,7 +3920,7 @@
             </a:r>
             <a:r>
               <a:rPr lang="ko-KR" altLang="en-US" dirty="0" smtClean="0"/>
-              <a:t>김홍주</a:t>
+              <a:t>한규현</a:t>
             </a:r>
             <a:r>
               <a:rPr lang="en-US" altLang="ko-KR" dirty="0" smtClean="0"/>
@@ -3928,7 +3928,7 @@
             </a:r>
             <a:r>
               <a:rPr lang="ko-KR" altLang="en-US" dirty="0" smtClean="0"/>
-              <a:t>박현준</a:t>
+              <a:t>이동희</a:t>
             </a:r>
             <a:r>
               <a:rPr lang="en-US" altLang="ko-KR" dirty="0" smtClean="0"/>
@@ -3936,31 +3936,23 @@
             </a:r>
             <a:r>
               <a:rPr lang="ko-KR" altLang="en-US" dirty="0" smtClean="0"/>
-              <a:t>이동희</a:t>
+              <a:t>박현준</a:t>
             </a:r>
             <a:r>
               <a:rPr lang="en-US" altLang="ko-KR" dirty="0" smtClean="0"/>
               <a:t>, </a:t>
             </a:r>
             <a:r>
+              <a:rPr lang="ko-KR" altLang="en-US" dirty="0" smtClean="0"/>
+              <a:t>허경일</a:t>
+            </a:r>
+            <a:r>
+              <a:rPr lang="en-US" altLang="ko-KR" dirty="0" smtClean="0"/>
+              <a:t>, </a:t>
+            </a:r>
+            <a:r>
               <a:rPr lang="ko-KR" altLang="en-US" dirty="0" err="1" smtClean="0"/>
               <a:t>이한얼</a:t>
-            </a:r>
-            <a:r>
-              <a:rPr lang="en-US" altLang="ko-KR" dirty="0" smtClean="0"/>
-              <a:t>, </a:t>
-            </a:r>
-            <a:r>
-              <a:rPr lang="ko-KR" altLang="en-US" dirty="0" err="1" smtClean="0"/>
-              <a:t>한규현</a:t>
-            </a:r>
-            <a:r>
-              <a:rPr lang="en-US" altLang="ko-KR" dirty="0" smtClean="0"/>
-              <a:t>, </a:t>
-            </a:r>
-            <a:r>
-              <a:rPr lang="ko-KR" altLang="en-US" dirty="0" err="1" smtClean="0"/>
-              <a:t>허경일</a:t>
             </a:r>
             <a:endParaRPr lang="ko-KR" altLang="en-US" dirty="0"/>
           </a:p>
@@ -4216,6 +4208,534 @@
           </a:p>
         </p:txBody>
       </p:sp>
+      <p:pic>
+        <p:nvPicPr>
+          <p:cNvPr id="1026" name="Picture 2" descr="D:\SGA\양쌤 기초반\Samjojo(팀포폴-삼국지조조전)\제출서류\image1.jpg"/>
+          <p:cNvPicPr>
+            <a:picLocks noChangeAspect="1" noChangeArrowheads="1"/>
+          </p:cNvPicPr>
+          <p:nvPr/>
+        </p:nvPicPr>
+        <p:blipFill>
+          <a:blip r:embed="rId2">
+            <a:extLst>
+              <a:ext uri="{28A0092B-C50C-407E-A947-70E740481C1C}">
+                <a14:useLocalDpi xmlns:a14="http://schemas.microsoft.com/office/drawing/2010/main" val="0"/>
+              </a:ext>
+            </a:extLst>
+          </a:blip>
+          <a:srcRect/>
+          <a:stretch>
+            <a:fillRect/>
+          </a:stretch>
+        </p:blipFill>
+        <p:spPr bwMode="auto">
+          <a:xfrm>
+            <a:off x="1209675" y="933450"/>
+            <a:ext cx="2590800" cy="3657600"/>
+          </a:xfrm>
+          <a:prstGeom prst="rect">
+            <a:avLst/>
+          </a:prstGeom>
+          <a:noFill/>
+          <a:extLst>
+            <a:ext uri="{909E8E84-426E-40DD-AFC4-6F175D3DCCD1}">
+              <a14:hiddenFill xmlns:a14="http://schemas.microsoft.com/office/drawing/2010/main">
+                <a:solidFill>
+                  <a:srgbClr val="FFFFFF"/>
+                </a:solidFill>
+              </a14:hiddenFill>
+            </a:ext>
+          </a:extLst>
+        </p:spPr>
+      </p:pic>
+      <p:graphicFrame>
+        <p:nvGraphicFramePr>
+          <p:cNvPr id="2" name="표 1"/>
+          <p:cNvGraphicFramePr>
+            <a:graphicFrameLocks noGrp="1"/>
+          </p:cNvGraphicFramePr>
+          <p:nvPr>
+            <p:extLst>
+              <p:ext uri="{D42A27DB-BD31-4B8C-83A1-F6EECF244321}">
+                <p14:modId xmlns:p14="http://schemas.microsoft.com/office/powerpoint/2010/main" val="334153203"/>
+              </p:ext>
+            </p:extLst>
+          </p:nvPr>
+        </p:nvGraphicFramePr>
+        <p:xfrm>
+          <a:off x="1209675" y="4686300"/>
+          <a:ext cx="2590800" cy="1546860"/>
+        </p:xfrm>
+        <a:graphic>
+          <a:graphicData uri="http://schemas.openxmlformats.org/drawingml/2006/table">
+            <a:tbl>
+              <a:tblPr firstRow="1" bandRow="1">
+                <a:tableStyleId>{3B4B98B0-60AC-42C2-AFA5-B58CD77FA1E5}</a:tableStyleId>
+              </a:tblPr>
+              <a:tblGrid>
+                <a:gridCol w="1295400"/>
+                <a:gridCol w="1295400"/>
+              </a:tblGrid>
+              <a:tr h="312420">
+                <a:tc>
+                  <a:txBody>
+                    <a:bodyPr/>
+                    <a:lstStyle/>
+                    <a:p>
+                      <a:pPr latinLnBrk="1"/>
+                      <a:r>
+                        <a:rPr lang="ko-KR" altLang="en-US" sz="1050" b="0" dirty="0" smtClean="0"/>
+                        <a:t>개발사</a:t>
+                      </a:r>
+                      <a:endParaRPr lang="ko-KR" altLang="en-US" sz="1050" b="0" dirty="0"/>
+                    </a:p>
+                  </a:txBody>
+                  <a:tcPr/>
+                </a:tc>
+                <a:tc>
+                  <a:txBody>
+                    <a:bodyPr/>
+                    <a:lstStyle/>
+                    <a:p>
+                      <a:pPr latinLnBrk="1"/>
+                      <a:r>
+                        <a:rPr lang="ko-KR" altLang="en-US" sz="1050" b="0" dirty="0" err="1" smtClean="0"/>
+                        <a:t>코에이</a:t>
+                      </a:r>
+                      <a:endParaRPr lang="ko-KR" altLang="en-US" sz="1050" b="0" dirty="0"/>
+                    </a:p>
+                  </a:txBody>
+                  <a:tcPr/>
+                </a:tc>
+              </a:tr>
+              <a:tr h="312420">
+                <a:tc>
+                  <a:txBody>
+                    <a:bodyPr/>
+                    <a:lstStyle/>
+                    <a:p>
+                      <a:pPr latinLnBrk="1"/>
+                      <a:r>
+                        <a:rPr lang="ko-KR" altLang="en-US" sz="1050" b="0" dirty="0" err="1" smtClean="0"/>
+                        <a:t>유통사</a:t>
+                      </a:r>
+                      <a:endParaRPr lang="ko-KR" altLang="en-US" sz="1050" b="0" dirty="0"/>
+                    </a:p>
+                  </a:txBody>
+                  <a:tcPr/>
+                </a:tc>
+                <a:tc>
+                  <a:txBody>
+                    <a:bodyPr/>
+                    <a:lstStyle/>
+                    <a:p>
+                      <a:pPr latinLnBrk="1"/>
+                      <a:r>
+                        <a:rPr lang="ko-KR" altLang="en-US" sz="1050" b="0" dirty="0" err="1" smtClean="0"/>
+                        <a:t>코에이</a:t>
+                      </a:r>
+                      <a:r>
+                        <a:rPr lang="en-US" altLang="ko-KR" sz="1050" b="0" dirty="0" smtClean="0"/>
+                        <a:t>(</a:t>
+                      </a:r>
+                      <a:r>
+                        <a:rPr lang="ko-KR" altLang="en-US" sz="1050" b="0" dirty="0" smtClean="0"/>
+                        <a:t>일본</a:t>
+                      </a:r>
+                      <a:r>
+                        <a:rPr lang="en-US" altLang="ko-KR" sz="1050" b="0" dirty="0" smtClean="0"/>
+                        <a:t>)</a:t>
+                      </a:r>
+                    </a:p>
+                    <a:p>
+                      <a:pPr latinLnBrk="1"/>
+                      <a:r>
+                        <a:rPr lang="ko-KR" altLang="en-US" sz="1050" b="0" dirty="0" err="1" smtClean="0"/>
+                        <a:t>비스코</a:t>
+                      </a:r>
+                      <a:r>
+                        <a:rPr lang="en-US" altLang="ko-KR" sz="1050" b="0" dirty="0" smtClean="0"/>
+                        <a:t>(</a:t>
+                      </a:r>
+                      <a:r>
+                        <a:rPr lang="ko-KR" altLang="en-US" sz="1050" b="0" dirty="0" smtClean="0"/>
+                        <a:t>국내</a:t>
+                      </a:r>
+                      <a:r>
+                        <a:rPr lang="en-US" altLang="ko-KR" sz="1050" b="0" dirty="0" smtClean="0"/>
+                        <a:t>)</a:t>
+                      </a:r>
+                      <a:endParaRPr lang="ko-KR" altLang="en-US" sz="1050" b="0" dirty="0"/>
+                    </a:p>
+                  </a:txBody>
+                  <a:tcPr/>
+                </a:tc>
+              </a:tr>
+              <a:tr h="312420">
+                <a:tc>
+                  <a:txBody>
+                    <a:bodyPr/>
+                    <a:lstStyle/>
+                    <a:p>
+                      <a:pPr latinLnBrk="1"/>
+                      <a:r>
+                        <a:rPr lang="ko-KR" altLang="en-US" sz="1050" b="0" dirty="0" smtClean="0"/>
+                        <a:t>출시일</a:t>
+                      </a:r>
+                      <a:endParaRPr lang="ko-KR" altLang="en-US" sz="1050" b="0" dirty="0"/>
+                    </a:p>
+                  </a:txBody>
+                  <a:tcPr/>
+                </a:tc>
+                <a:tc>
+                  <a:txBody>
+                    <a:bodyPr/>
+                    <a:lstStyle/>
+                    <a:p>
+                      <a:pPr latinLnBrk="1"/>
+                      <a:r>
+                        <a:rPr lang="en-US" altLang="ko-KR" sz="1050" b="0" dirty="0" smtClean="0"/>
+                        <a:t>1998</a:t>
+                      </a:r>
+                      <a:r>
+                        <a:rPr lang="ko-KR" altLang="en-US" sz="1050" b="0" dirty="0" smtClean="0"/>
+                        <a:t>년 </a:t>
+                      </a:r>
+                      <a:r>
+                        <a:rPr lang="en-US" altLang="ko-KR" sz="1050" b="0" dirty="0" smtClean="0"/>
+                        <a:t>12</a:t>
+                      </a:r>
+                      <a:r>
+                        <a:rPr lang="ko-KR" altLang="en-US" sz="1050" b="0" dirty="0" smtClean="0"/>
+                        <a:t>월 </a:t>
+                      </a:r>
+                      <a:r>
+                        <a:rPr lang="en-US" altLang="ko-KR" sz="1050" b="0" dirty="0" smtClean="0"/>
+                        <a:t>1</a:t>
+                      </a:r>
+                      <a:r>
+                        <a:rPr lang="ko-KR" altLang="en-US" sz="1050" b="0" dirty="0" smtClean="0"/>
+                        <a:t>일</a:t>
+                      </a:r>
+                      <a:r>
+                        <a:rPr lang="en-US" altLang="ko-KR" sz="1050" b="0" dirty="0" smtClean="0"/>
+                        <a:t>(PC)</a:t>
+                      </a:r>
+                      <a:endParaRPr lang="ko-KR" altLang="en-US" sz="1050" b="0" dirty="0"/>
+                    </a:p>
+                  </a:txBody>
+                  <a:tcPr/>
+                </a:tc>
+              </a:tr>
+              <a:tr h="312420">
+                <a:tc>
+                  <a:txBody>
+                    <a:bodyPr/>
+                    <a:lstStyle/>
+                    <a:p>
+                      <a:pPr latinLnBrk="1"/>
+                      <a:r>
+                        <a:rPr lang="ko-KR" altLang="en-US" sz="1050" b="0" dirty="0" smtClean="0"/>
+                        <a:t>장르</a:t>
+                      </a:r>
+                      <a:endParaRPr lang="ko-KR" altLang="en-US" sz="1050" b="0" dirty="0"/>
+                    </a:p>
+                  </a:txBody>
+                  <a:tcPr/>
+                </a:tc>
+                <a:tc>
+                  <a:txBody>
+                    <a:bodyPr/>
+                    <a:lstStyle/>
+                    <a:p>
+                      <a:pPr latinLnBrk="1"/>
+                      <a:r>
+                        <a:rPr lang="ko-KR" altLang="en-US" sz="1050" b="0" dirty="0" smtClean="0"/>
+                        <a:t>역사 </a:t>
+                      </a:r>
+                      <a:r>
+                        <a:rPr lang="ko-KR" altLang="en-US" sz="1050" b="0" dirty="0" err="1" smtClean="0"/>
+                        <a:t>롤플레잉</a:t>
+                      </a:r>
+                      <a:r>
+                        <a:rPr lang="ko-KR" altLang="en-US" sz="1050" b="0" dirty="0" smtClean="0"/>
+                        <a:t> </a:t>
+                      </a:r>
+                      <a:endParaRPr lang="en-US" altLang="ko-KR" sz="1050" b="0" dirty="0" smtClean="0"/>
+                    </a:p>
+                    <a:p>
+                      <a:pPr latinLnBrk="1"/>
+                      <a:r>
+                        <a:rPr lang="ko-KR" altLang="en-US" sz="1050" b="0" dirty="0" smtClean="0"/>
+                        <a:t>게임</a:t>
+                      </a:r>
+                      <a:endParaRPr lang="ko-KR" altLang="en-US" sz="1050" b="0" dirty="0"/>
+                    </a:p>
+                  </a:txBody>
+                  <a:tcPr/>
+                </a:tc>
+              </a:tr>
+            </a:tbl>
+          </a:graphicData>
+        </a:graphic>
+      </p:graphicFrame>
+      <p:sp>
+        <p:nvSpPr>
+          <p:cNvPr id="4" name="TextBox 3"/>
+          <p:cNvSpPr txBox="1"/>
+          <p:nvPr/>
+        </p:nvSpPr>
+        <p:spPr>
+          <a:xfrm>
+            <a:off x="4124326" y="1019175"/>
+            <a:ext cx="6555104" cy="4801314"/>
+          </a:xfrm>
+          <a:prstGeom prst="rect">
+            <a:avLst/>
+          </a:prstGeom>
+          <a:noFill/>
+        </p:spPr>
+        <p:txBody>
+          <a:bodyPr wrap="square" rtlCol="0">
+            <a:spAutoFit/>
+          </a:bodyPr>
+          <a:lstStyle/>
+          <a:p>
+            <a:r>
+              <a:rPr lang="ko-KR" altLang="en-US" dirty="0" err="1" smtClean="0"/>
+              <a:t>코에이의</a:t>
+            </a:r>
+            <a:r>
+              <a:rPr lang="ko-KR" altLang="en-US" dirty="0" smtClean="0"/>
+              <a:t> 역사 </a:t>
+            </a:r>
+            <a:r>
+              <a:rPr lang="en-US" altLang="ko-KR" dirty="0" smtClean="0"/>
+              <a:t>SRPG </a:t>
+            </a:r>
+            <a:r>
+              <a:rPr lang="ko-KR" altLang="en-US" dirty="0" err="1" smtClean="0"/>
+              <a:t>영걸전</a:t>
+            </a:r>
+            <a:r>
+              <a:rPr lang="ko-KR" altLang="en-US" dirty="0" smtClean="0"/>
+              <a:t> 시리즈의 </a:t>
+            </a:r>
+            <a:r>
+              <a:rPr lang="en-US" altLang="ko-KR" dirty="0" smtClean="0"/>
+              <a:t>5</a:t>
+            </a:r>
+            <a:r>
+              <a:rPr lang="ko-KR" altLang="en-US" dirty="0" smtClean="0"/>
+              <a:t>번째이자 정규 시리지 마지막 작품</a:t>
+            </a:r>
+            <a:r>
+              <a:rPr lang="en-US" altLang="ko-KR" dirty="0" smtClean="0"/>
+              <a:t>.</a:t>
+            </a:r>
+            <a:r>
+              <a:rPr lang="ko-KR" altLang="en-US" dirty="0" smtClean="0"/>
+              <a:t> </a:t>
+            </a:r>
+            <a:r>
+              <a:rPr lang="en-US" altLang="ko-KR" dirty="0" smtClean="0"/>
+              <a:t>1998</a:t>
+            </a:r>
+            <a:r>
+              <a:rPr lang="ko-KR" altLang="en-US" dirty="0" smtClean="0"/>
+              <a:t>년 </a:t>
+            </a:r>
+            <a:r>
+              <a:rPr lang="en-US" altLang="ko-KR" dirty="0" smtClean="0"/>
+              <a:t>12</a:t>
+            </a:r>
+            <a:r>
+              <a:rPr lang="ko-KR" altLang="en-US" dirty="0" smtClean="0"/>
+              <a:t>월 발매되었고 한국어판도 발매되었다</a:t>
+            </a:r>
+            <a:r>
+              <a:rPr lang="en-US" altLang="ko-KR" dirty="0" smtClean="0"/>
+              <a:t>.</a:t>
+            </a:r>
+          </a:p>
+          <a:p>
+            <a:endParaRPr lang="en-US" altLang="ko-KR" dirty="0"/>
+          </a:p>
+          <a:p>
+            <a:r>
+              <a:rPr lang="ko-KR" altLang="en-US" dirty="0" smtClean="0"/>
+              <a:t>삼국지의 조조가 주인공인 작품이며</a:t>
+            </a:r>
+            <a:r>
+              <a:rPr lang="en-US" altLang="ko-KR" dirty="0" smtClean="0"/>
+              <a:t>, </a:t>
+            </a:r>
+            <a:r>
+              <a:rPr lang="ko-KR" altLang="en-US" dirty="0" smtClean="0"/>
+              <a:t>스토리는 기본적 삼국지연의와 동일하게 전개되지만 조조의 다소 부정적인 이미지를 주인공 보정으로 미화해 탈바꿈시켰다</a:t>
+            </a:r>
+            <a:r>
+              <a:rPr lang="en-US" altLang="ko-KR" dirty="0" smtClean="0"/>
+              <a:t>. </a:t>
+            </a:r>
+          </a:p>
+          <a:p>
+            <a:endParaRPr lang="en-US" altLang="ko-KR" dirty="0"/>
+          </a:p>
+          <a:p>
+            <a:r>
+              <a:rPr lang="ko-KR" altLang="en-US" dirty="0" smtClean="0"/>
+              <a:t>정규 시리즈 최종작인 만큼 가장 게임의 완성도가 높아서 </a:t>
+            </a:r>
+            <a:r>
+              <a:rPr lang="ko-KR" altLang="en-US" dirty="0" err="1" smtClean="0"/>
+              <a:t>조조전을</a:t>
+            </a:r>
+            <a:r>
+              <a:rPr lang="ko-KR" altLang="en-US" dirty="0" smtClean="0"/>
+              <a:t> 기반으로 영걸전이나 </a:t>
+            </a:r>
+            <a:r>
+              <a:rPr lang="ko-KR" altLang="en-US" dirty="0" err="1" smtClean="0"/>
+              <a:t>공명전</a:t>
+            </a:r>
+            <a:r>
+              <a:rPr lang="ko-KR" altLang="en-US" dirty="0" smtClean="0"/>
+              <a:t> 리메이크가 나와야 한다거나</a:t>
+            </a:r>
+            <a:r>
+              <a:rPr lang="en-US" altLang="ko-KR" dirty="0" smtClean="0"/>
+              <a:t>, </a:t>
+            </a:r>
+            <a:r>
+              <a:rPr lang="ko-KR" altLang="en-US" dirty="0" err="1" smtClean="0"/>
+              <a:t>맵</a:t>
+            </a:r>
+            <a:r>
+              <a:rPr lang="ko-KR" altLang="en-US" dirty="0" smtClean="0"/>
+              <a:t> 에디터가 </a:t>
+            </a:r>
+            <a:r>
+              <a:rPr lang="ko-KR" altLang="en-US" dirty="0" err="1" smtClean="0"/>
+              <a:t>제공되서</a:t>
+            </a:r>
+            <a:r>
+              <a:rPr lang="ko-KR" altLang="en-US" dirty="0" smtClean="0"/>
+              <a:t> 자신만의 시나리오를 만들 수 있으면 좋겠다는 의견이 많이 있었고 중국 유저들이 게임 툴을 완전히 뜯어고쳐서 만든 </a:t>
+            </a:r>
+            <a:r>
+              <a:rPr lang="en-US" altLang="ko-KR" dirty="0" smtClean="0"/>
+              <a:t>MOD</a:t>
+            </a:r>
+            <a:r>
+              <a:rPr lang="ko-KR" altLang="en-US" dirty="0" smtClean="0"/>
+              <a:t>가 나오면서 유저들의 바람이 이루어졌다</a:t>
+            </a:r>
+            <a:r>
+              <a:rPr lang="en-US" altLang="ko-KR" dirty="0" smtClean="0"/>
+              <a:t>.</a:t>
+            </a:r>
+          </a:p>
+          <a:p>
+            <a:endParaRPr lang="en-US" altLang="ko-KR" dirty="0"/>
+          </a:p>
+          <a:p>
+            <a:r>
+              <a:rPr lang="ko-KR" altLang="en-US" dirty="0" smtClean="0"/>
+              <a:t>최근 </a:t>
+            </a:r>
+            <a:r>
+              <a:rPr lang="en-US" altLang="ko-KR" dirty="0" smtClean="0"/>
+              <a:t>2016</a:t>
+            </a:r>
+            <a:r>
+              <a:rPr lang="ko-KR" altLang="en-US" dirty="0" smtClean="0"/>
+              <a:t>년 </a:t>
+            </a:r>
+            <a:r>
+              <a:rPr lang="en-US" altLang="ko-KR" dirty="0" smtClean="0"/>
+              <a:t>10</a:t>
+            </a:r>
+            <a:r>
+              <a:rPr lang="ko-KR" altLang="en-US" dirty="0" smtClean="0"/>
+              <a:t>월 </a:t>
+            </a:r>
+            <a:r>
+              <a:rPr lang="en-US" altLang="ko-KR" dirty="0" smtClean="0"/>
+              <a:t>7</a:t>
+            </a:r>
+            <a:r>
+              <a:rPr lang="ko-KR" altLang="en-US" dirty="0" smtClean="0"/>
+              <a:t>일 </a:t>
+            </a:r>
+            <a:r>
+              <a:rPr lang="ko-KR" altLang="en-US" dirty="0" err="1" smtClean="0"/>
+              <a:t>모바일</a:t>
+            </a:r>
+            <a:r>
+              <a:rPr lang="ko-KR" altLang="en-US" dirty="0" smtClean="0"/>
+              <a:t> 플랫폼으로 삼국지 </a:t>
+            </a:r>
+            <a:r>
+              <a:rPr lang="ko-KR" altLang="en-US" dirty="0" err="1" smtClean="0"/>
+              <a:t>조조전</a:t>
+            </a:r>
+            <a:r>
+              <a:rPr lang="ko-KR" altLang="en-US" dirty="0" smtClean="0"/>
+              <a:t> 온라인이 출시되었다</a:t>
+            </a:r>
+            <a:r>
+              <a:rPr lang="en-US" altLang="ko-KR" dirty="0" smtClean="0"/>
+              <a:t>. </a:t>
+            </a:r>
+          </a:p>
+          <a:p>
+            <a:r>
+              <a:rPr lang="en-US" altLang="ko-KR" dirty="0" smtClean="0"/>
+              <a:t>(</a:t>
+            </a:r>
+            <a:r>
+              <a:rPr lang="ko-KR" altLang="en-US" dirty="0" smtClean="0"/>
+              <a:t>개발 </a:t>
+            </a:r>
+            <a:r>
+              <a:rPr lang="en-US" altLang="ko-KR" dirty="0" smtClean="0"/>
+              <a:t>: THINGSOFT, STUDIO ONE, </a:t>
+            </a:r>
+            <a:r>
+              <a:rPr lang="ko-KR" altLang="en-US" dirty="0" err="1" smtClean="0"/>
+              <a:t>코에이</a:t>
+            </a:r>
+            <a:r>
+              <a:rPr lang="en-US" altLang="ko-KR" dirty="0" smtClean="0"/>
+              <a:t>)</a:t>
+            </a:r>
+          </a:p>
+          <a:p>
+            <a:r>
+              <a:rPr lang="en-US" altLang="ko-KR" dirty="0" smtClean="0"/>
+              <a:t>(</a:t>
+            </a:r>
+            <a:r>
+              <a:rPr lang="ko-KR" altLang="en-US" dirty="0" smtClean="0"/>
+              <a:t>유통 </a:t>
+            </a:r>
+            <a:r>
+              <a:rPr lang="en-US" altLang="ko-KR" dirty="0" smtClean="0"/>
+              <a:t>: </a:t>
+            </a:r>
+            <a:r>
+              <a:rPr lang="ko-KR" altLang="en-US" dirty="0" err="1" smtClean="0"/>
+              <a:t>넥슨</a:t>
+            </a:r>
+            <a:r>
+              <a:rPr lang="en-US" altLang="ko-KR" dirty="0" smtClean="0"/>
+              <a:t>)</a:t>
+            </a:r>
+          </a:p>
+        </p:txBody>
+      </p:sp>
     </p:spTree>
     <p:extLst>
       <p:ext uri="{BB962C8B-B14F-4D97-AF65-F5344CB8AC3E}">
@@ -4226,6 +4746,13 @@
   <p:clrMapOvr>
     <a:masterClrMapping/>
   </p:clrMapOvr>
+  <p:timing>
+    <p:tnLst>
+      <p:par>
+        <p:cTn id="1" dur="indefinite" restart="never" nodeType="tmRoot"/>
+      </p:par>
+    </p:tnLst>
+  </p:timing>
 </p:sld>
 </file>
 
@@ -4301,6 +4828,296 @@
           </a:p>
         </p:txBody>
       </p:sp>
+      <p:sp>
+        <p:nvSpPr>
+          <p:cNvPr id="2" name="TextBox 1"/>
+          <p:cNvSpPr txBox="1"/>
+          <p:nvPr/>
+        </p:nvSpPr>
+        <p:spPr>
+          <a:xfrm>
+            <a:off x="7455180" y="924973"/>
+            <a:ext cx="3673138" cy="2585323"/>
+          </a:xfrm>
+          <a:prstGeom prst="rect">
+            <a:avLst/>
+          </a:prstGeom>
+          <a:noFill/>
+        </p:spPr>
+        <p:txBody>
+          <a:bodyPr wrap="square" rtlCol="0">
+            <a:spAutoFit/>
+          </a:bodyPr>
+          <a:lstStyle/>
+          <a:p>
+            <a:pPr marL="285750" indent="-285750">
+              <a:buFontTx/>
+              <a:buChar char="-"/>
+            </a:pPr>
+            <a:r>
+              <a:rPr lang="ko-KR" altLang="en-US" dirty="0" smtClean="0"/>
+              <a:t>삼국지연의 스토리를 거의 재현</a:t>
+            </a:r>
+            <a:endParaRPr lang="en-US" altLang="ko-KR" dirty="0" smtClean="0"/>
+          </a:p>
+          <a:p>
+            <a:pPr marL="285750" indent="-285750">
+              <a:buFontTx/>
+              <a:buChar char="-"/>
+            </a:pPr>
+            <a:r>
+              <a:rPr lang="ko-KR" altLang="en-US" dirty="0" smtClean="0"/>
+              <a:t>삼국지의 </a:t>
+            </a:r>
+            <a:r>
+              <a:rPr lang="ko-KR" altLang="en-US" dirty="0"/>
+              <a:t>영웅들을 직접 플레이어 하며 육성 하는 시스템</a:t>
+            </a:r>
+            <a:endParaRPr lang="en-US" altLang="ko-KR" dirty="0"/>
+          </a:p>
+          <a:p>
+            <a:pPr marL="285750" indent="-285750">
+              <a:buFontTx/>
+              <a:buChar char="-"/>
+            </a:pPr>
+            <a:r>
+              <a:rPr lang="ko-KR" altLang="en-US" dirty="0"/>
+              <a:t>장수들을 직접 골라서 플레이 할 수 있는 출전 </a:t>
+            </a:r>
+            <a:r>
+              <a:rPr lang="ko-KR" altLang="en-US" dirty="0" smtClean="0"/>
+              <a:t>시스템</a:t>
+            </a:r>
+            <a:endParaRPr lang="en-US" altLang="ko-KR" dirty="0" smtClean="0"/>
+          </a:p>
+          <a:p>
+            <a:pPr marL="285750" indent="-285750">
+              <a:buFontTx/>
+              <a:buChar char="-"/>
+            </a:pPr>
+            <a:r>
+              <a:rPr lang="ko-KR" altLang="en-US" dirty="0" smtClean="0"/>
+              <a:t>플레이어</a:t>
+            </a:r>
+            <a:r>
+              <a:rPr lang="en-US" altLang="ko-KR" dirty="0" smtClean="0"/>
+              <a:t>-&gt;</a:t>
+            </a:r>
+            <a:r>
+              <a:rPr lang="ko-KR" altLang="en-US" dirty="0" smtClean="0"/>
+              <a:t>아군</a:t>
+            </a:r>
+            <a:r>
+              <a:rPr lang="en-US" altLang="ko-KR" dirty="0" smtClean="0"/>
+              <a:t>-&gt;</a:t>
+            </a:r>
+            <a:r>
+              <a:rPr lang="ko-KR" altLang="en-US" dirty="0" smtClean="0"/>
+              <a:t>적군</a:t>
+            </a:r>
+            <a:r>
+              <a:rPr lang="en-US" altLang="ko-KR" dirty="0" smtClean="0"/>
+              <a:t>-&gt;</a:t>
+            </a:r>
+            <a:r>
+              <a:rPr lang="ko-KR" altLang="en-US" dirty="0" smtClean="0"/>
+              <a:t>플레이어 순으로 진행되는 </a:t>
+            </a:r>
+            <a:r>
+              <a:rPr lang="ko-KR" altLang="en-US" dirty="0" err="1" smtClean="0"/>
+              <a:t>턴제</a:t>
+            </a:r>
+            <a:r>
+              <a:rPr lang="ko-KR" altLang="en-US" dirty="0" smtClean="0"/>
+              <a:t> 시스템</a:t>
+            </a:r>
+            <a:endParaRPr lang="en-US" altLang="ko-KR" dirty="0" smtClean="0"/>
+          </a:p>
+          <a:p>
+            <a:pPr marL="285750" indent="-285750">
+              <a:buFontTx/>
+              <a:buChar char="-"/>
+            </a:pPr>
+            <a:r>
+              <a:rPr lang="ko-KR" altLang="en-US" dirty="0" smtClean="0"/>
+              <a:t>전투 중에 상대방의 이동범위</a:t>
+            </a:r>
+            <a:r>
+              <a:rPr lang="en-US" altLang="ko-KR" dirty="0" smtClean="0"/>
+              <a:t>, </a:t>
+            </a:r>
+            <a:r>
+              <a:rPr lang="ko-KR" altLang="en-US" dirty="0" smtClean="0"/>
+              <a:t>공격 범위를 확인 가능</a:t>
+            </a:r>
+            <a:endParaRPr lang="en-US" altLang="ko-KR" dirty="0" smtClean="0"/>
+          </a:p>
+        </p:txBody>
+      </p:sp>
+      <p:pic>
+        <p:nvPicPr>
+          <p:cNvPr id="2050" name="Picture 2" descr="D:\SGA\양쌤 기초반\Samjojo(팀포폴-삼국지조조전)\제출서류\image2.png"/>
+          <p:cNvPicPr>
+            <a:picLocks noChangeAspect="1" noChangeArrowheads="1"/>
+          </p:cNvPicPr>
+          <p:nvPr/>
+        </p:nvPicPr>
+        <p:blipFill>
+          <a:blip r:embed="rId2" cstate="print">
+            <a:extLst>
+              <a:ext uri="{28A0092B-C50C-407E-A947-70E740481C1C}">
+                <a14:useLocalDpi xmlns:a14="http://schemas.microsoft.com/office/drawing/2010/main" val="0"/>
+              </a:ext>
+            </a:extLst>
+          </a:blip>
+          <a:srcRect/>
+          <a:stretch>
+            <a:fillRect/>
+          </a:stretch>
+        </p:blipFill>
+        <p:spPr bwMode="auto">
+          <a:xfrm>
+            <a:off x="832339" y="924974"/>
+            <a:ext cx="3187086" cy="2275427"/>
+          </a:xfrm>
+          <a:prstGeom prst="rect">
+            <a:avLst/>
+          </a:prstGeom>
+          <a:noFill/>
+          <a:extLst>
+            <a:ext uri="{909E8E84-426E-40DD-AFC4-6F175D3DCCD1}">
+              <a14:hiddenFill xmlns:a14="http://schemas.microsoft.com/office/drawing/2010/main">
+                <a:solidFill>
+                  <a:srgbClr val="FFFFFF"/>
+                </a:solidFill>
+              </a14:hiddenFill>
+            </a:ext>
+          </a:extLst>
+        </p:spPr>
+      </p:pic>
+      <p:pic>
+        <p:nvPicPr>
+          <p:cNvPr id="5" name="Picture 2" descr="D:\SGA\양쌤 기초반\Samjojo(팀포폴-삼국지조조전)\제출서류\image2.png"/>
+          <p:cNvPicPr>
+            <a:picLocks noChangeAspect="1" noChangeArrowheads="1"/>
+          </p:cNvPicPr>
+          <p:nvPr/>
+        </p:nvPicPr>
+        <p:blipFill>
+          <a:blip r:embed="rId2" cstate="print">
+            <a:extLst>
+              <a:ext uri="{28A0092B-C50C-407E-A947-70E740481C1C}">
+                <a14:useLocalDpi xmlns:a14="http://schemas.microsoft.com/office/drawing/2010/main" val="0"/>
+              </a:ext>
+            </a:extLst>
+          </a:blip>
+          <a:srcRect/>
+          <a:stretch>
+            <a:fillRect/>
+          </a:stretch>
+        </p:blipFill>
+        <p:spPr bwMode="auto">
+          <a:xfrm>
+            <a:off x="4268094" y="924974"/>
+            <a:ext cx="3187086" cy="2275427"/>
+          </a:xfrm>
+          <a:prstGeom prst="rect">
+            <a:avLst/>
+          </a:prstGeom>
+          <a:noFill/>
+          <a:extLst>
+            <a:ext uri="{909E8E84-426E-40DD-AFC4-6F175D3DCCD1}">
+              <a14:hiddenFill xmlns:a14="http://schemas.microsoft.com/office/drawing/2010/main">
+                <a:solidFill>
+                  <a:srgbClr val="FFFFFF"/>
+                </a:solidFill>
+              </a14:hiddenFill>
+            </a:ext>
+          </a:extLst>
+        </p:spPr>
+      </p:pic>
+      <p:pic>
+        <p:nvPicPr>
+          <p:cNvPr id="6" name="Picture 2" descr="D:\SGA\양쌤 기초반\Samjojo(팀포폴-삼국지조조전)\제출서류\image2.png"/>
+          <p:cNvPicPr>
+            <a:picLocks noChangeAspect="1" noChangeArrowheads="1"/>
+          </p:cNvPicPr>
+          <p:nvPr/>
+        </p:nvPicPr>
+        <p:blipFill>
+          <a:blip r:embed="rId2" cstate="print">
+            <a:extLst>
+              <a:ext uri="{28A0092B-C50C-407E-A947-70E740481C1C}">
+                <a14:useLocalDpi xmlns:a14="http://schemas.microsoft.com/office/drawing/2010/main" val="0"/>
+              </a:ext>
+            </a:extLst>
+          </a:blip>
+          <a:srcRect/>
+          <a:stretch>
+            <a:fillRect/>
+          </a:stretch>
+        </p:blipFill>
+        <p:spPr bwMode="auto">
+          <a:xfrm>
+            <a:off x="832338" y="3510297"/>
+            <a:ext cx="3187086" cy="2275427"/>
+          </a:xfrm>
+          <a:prstGeom prst="rect">
+            <a:avLst/>
+          </a:prstGeom>
+          <a:noFill/>
+          <a:extLst>
+            <a:ext uri="{909E8E84-426E-40DD-AFC4-6F175D3DCCD1}">
+              <a14:hiddenFill xmlns:a14="http://schemas.microsoft.com/office/drawing/2010/main">
+                <a:solidFill>
+                  <a:srgbClr val="FFFFFF"/>
+                </a:solidFill>
+              </a14:hiddenFill>
+            </a:ext>
+          </a:extLst>
+        </p:spPr>
+      </p:pic>
+      <p:pic>
+        <p:nvPicPr>
+          <p:cNvPr id="7" name="Picture 2" descr="D:\SGA\양쌤 기초반\Samjojo(팀포폴-삼국지조조전)\제출서류\image2.png"/>
+          <p:cNvPicPr>
+            <a:picLocks noChangeAspect="1" noChangeArrowheads="1"/>
+          </p:cNvPicPr>
+          <p:nvPr/>
+        </p:nvPicPr>
+        <p:blipFill>
+          <a:blip r:embed="rId2" cstate="print">
+            <a:extLst>
+              <a:ext uri="{28A0092B-C50C-407E-A947-70E740481C1C}">
+                <a14:useLocalDpi xmlns:a14="http://schemas.microsoft.com/office/drawing/2010/main" val="0"/>
+              </a:ext>
+            </a:extLst>
+          </a:blip>
+          <a:srcRect/>
+          <a:stretch>
+            <a:fillRect/>
+          </a:stretch>
+        </p:blipFill>
+        <p:spPr bwMode="auto">
+          <a:xfrm>
+            <a:off x="4268094" y="3510296"/>
+            <a:ext cx="3187086" cy="2275427"/>
+          </a:xfrm>
+          <a:prstGeom prst="rect">
+            <a:avLst/>
+          </a:prstGeom>
+          <a:noFill/>
+          <a:extLst>
+            <a:ext uri="{909E8E84-426E-40DD-AFC4-6F175D3DCCD1}">
+              <a14:hiddenFill xmlns:a14="http://schemas.microsoft.com/office/drawing/2010/main">
+                <a:solidFill>
+                  <a:srgbClr val="FFFFFF"/>
+                </a:solidFill>
+              </a14:hiddenFill>
+            </a:ext>
+          </a:extLst>
+        </p:spPr>
+      </p:pic>
     </p:spTree>
     <p:extLst>
       <p:ext uri="{BB962C8B-B14F-4D97-AF65-F5344CB8AC3E}">
@@ -4311,6 +5128,13 @@
   <p:clrMapOvr>
     <a:masterClrMapping/>
   </p:clrMapOvr>
+  <p:timing>
+    <p:tnLst>
+      <p:par>
+        <p:cTn id="1" dur="indefinite" restart="never" nodeType="tmRoot"/>
+      </p:par>
+    </p:tnLst>
+  </p:timing>
 </p:sld>
 </file>
 
@@ -4392,11 +5216,7 @@
             </a:r>
             <a:r>
               <a:rPr lang="en-US" altLang="ko-KR" dirty="0" smtClean="0"/>
-              <a:t>, A</a:t>
-            </a:r>
-            <a:r>
-              <a:rPr lang="en-US" altLang="ko-KR" dirty="0" smtClean="0"/>
-              <a:t>*</a:t>
+              <a:t>, A*</a:t>
             </a:r>
           </a:p>
           <a:p>
@@ -4562,7 +5382,6 @@
               <a:rPr lang="en-US" altLang="ko-KR" dirty="0" smtClean="0"/>
               <a:t>)</a:t>
             </a:r>
-            <a:endParaRPr lang="en-US" altLang="ko-KR" dirty="0" smtClean="0"/>
           </a:p>
           <a:p>
             <a:pPr>
@@ -4603,11 +5422,7 @@
             </a:r>
             <a:r>
               <a:rPr lang="ko-KR" altLang="en-US" dirty="0" smtClean="0"/>
-              <a:t> 데이터 </a:t>
-            </a:r>
-            <a:r>
-              <a:rPr lang="ko-KR" altLang="en-US" dirty="0" smtClean="0"/>
-              <a:t>로딩</a:t>
+              <a:t> 데이터 로딩</a:t>
             </a:r>
             <a:endParaRPr lang="en-US" altLang="ko-KR" dirty="0"/>
           </a:p>
@@ -4675,6 +5490,13 @@
   <p:clrMapOvr>
     <a:masterClrMapping/>
   </p:clrMapOvr>
+  <p:timing>
+    <p:tnLst>
+      <p:par>
+        <p:cTn id="1" dur="indefinite" restart="never" nodeType="tmRoot"/>
+      </p:par>
+    </p:tnLst>
+  </p:timing>
 </p:sld>
 </file>
 
@@ -7058,7 +7880,7 @@
           <p:nvPr>
             <p:extLst>
               <p:ext uri="{D42A27DB-BD31-4B8C-83A1-F6EECF244321}">
-                <p14:modId xmlns:p14="http://schemas.microsoft.com/office/powerpoint/2010/main" val="2585940560"/>
+                <p14:modId xmlns:p14="http://schemas.microsoft.com/office/powerpoint/2010/main" val="2511512009"/>
               </p:ext>
             </p:extLst>
           </p:nvPr>
@@ -9703,12 +10525,36 @@
                     <a:p>
                       <a:pPr lvl="0" algn="ctr" latinLnBrk="1"/>
                       <a:r>
-                        <a:rPr lang="en-US" altLang="ko-KR" b="1" dirty="0" err="1" smtClean="0">
+                        <a:rPr lang="ko-KR" altLang="en-US" b="1" dirty="0" err="1" smtClean="0">
                           <a:solidFill>
                             <a:schemeClr val="bg1"/>
                           </a:solidFill>
                         </a:rPr>
-                        <a:t>Maptool</a:t>
+                        <a:t>맵에디터</a:t>
+                      </a:r>
+                      <a:r>
+                        <a:rPr lang="en-US" altLang="ko-KR" b="1" dirty="0" smtClean="0">
+                          <a:solidFill>
+                            <a:schemeClr val="bg1"/>
+                          </a:solidFill>
+                        </a:rPr>
+                        <a:t>(</a:t>
+                      </a:r>
+                      <a:r>
+                        <a:rPr lang="ko-KR" altLang="en-US" b="1" dirty="0" err="1" smtClean="0">
+                          <a:solidFill>
+                            <a:schemeClr val="bg1"/>
+                          </a:solidFill>
+                        </a:rPr>
+                        <a:t>맵툴</a:t>
+                      </a:r>
+                      <a:r>
+                        <a:rPr lang="en-US" altLang="ko-KR" b="1" dirty="0" smtClean="0">
+                          <a:solidFill>
+                            <a:schemeClr val="bg1"/>
+                          </a:solidFill>
+                        </a:rPr>
+                        <a:t>)</a:t>
                       </a:r>
                       <a:endParaRPr lang="ko-KR" altLang="en-US" b="1" dirty="0">
                         <a:solidFill>
@@ -10718,12 +11564,12 @@
                     <a:p>
                       <a:pPr lvl="0" algn="ctr" latinLnBrk="1"/>
                       <a:r>
-                        <a:rPr lang="en-US" altLang="ko-KR" b="1" dirty="0" err="1" smtClean="0">
+                        <a:rPr lang="ko-KR" altLang="en-US" b="1" dirty="0" err="1" smtClean="0">
                           <a:solidFill>
                             <a:schemeClr val="bg1"/>
                           </a:solidFill>
                         </a:rPr>
-                        <a:t>UnitEditor</a:t>
+                        <a:t>유닛에디터</a:t>
                       </a:r>
                       <a:endParaRPr lang="ko-KR" altLang="en-US" b="1" dirty="0">
                         <a:solidFill>
@@ -11729,12 +12575,12 @@
                     <a:p>
                       <a:pPr lvl="0" algn="ctr" latinLnBrk="1"/>
                       <a:r>
-                        <a:rPr lang="en-US" altLang="ko-KR" b="1" baseline="0" dirty="0" err="1" smtClean="0">
+                        <a:rPr lang="ko-KR" altLang="en-US" b="1" dirty="0" err="1" smtClean="0">
                           <a:solidFill>
                             <a:schemeClr val="bg1"/>
                           </a:solidFill>
                         </a:rPr>
-                        <a:t>sceneStory</a:t>
+                        <a:t>스토리씬</a:t>
                       </a:r>
                       <a:endParaRPr lang="ko-KR" altLang="en-US" b="1" dirty="0">
                         <a:solidFill>
@@ -12750,12 +13596,12 @@
                         <a:defRPr/>
                       </a:pPr>
                       <a:r>
-                        <a:rPr lang="en-US" altLang="ko-KR" b="1" dirty="0" err="1" smtClean="0">
+                        <a:rPr lang="ko-KR" altLang="en-US" b="1" dirty="0" err="1" smtClean="0">
                           <a:solidFill>
                             <a:schemeClr val="bg1"/>
                           </a:solidFill>
                         </a:rPr>
-                        <a:t>sceneReady</a:t>
+                        <a:t>출진준비씬</a:t>
                       </a:r>
                       <a:endParaRPr lang="ko-KR" altLang="en-US" b="1" dirty="0" smtClean="0">
                         <a:solidFill>
@@ -13751,12 +14597,12 @@
                     <a:p>
                       <a:pPr lvl="0" algn="ctr" latinLnBrk="1"/>
                       <a:r>
-                        <a:rPr lang="en-US" altLang="ko-KR" b="1" dirty="0" err="1" smtClean="0">
+                        <a:rPr lang="ko-KR" altLang="en-US" b="1" dirty="0" err="1" smtClean="0">
                           <a:solidFill>
                             <a:schemeClr val="bg1"/>
                           </a:solidFill>
                         </a:rPr>
-                        <a:t>sceneBattle</a:t>
+                        <a:t>전투씬</a:t>
                       </a:r>
                       <a:endParaRPr lang="ko-KR" altLang="en-US" b="1" dirty="0">
                         <a:solidFill>

--- a/제출서류/팀포트폴리오 기획서.pptx
+++ b/제출서류/팀포트폴리오 기획서.pptx
@@ -4977,48 +4977,7 @@
         </p:blipFill>
         <p:spPr bwMode="auto">
           <a:xfrm>
-            <a:off x="832339" y="924974"/>
-            <a:ext cx="3187086" cy="2275427"/>
-          </a:xfrm>
-          <a:prstGeom prst="rect">
-            <a:avLst/>
-          </a:prstGeom>
-          <a:noFill/>
-          <a:extLst>
-            <a:ext uri="{909E8E84-426E-40DD-AFC4-6F175D3DCCD1}">
-              <a14:hiddenFill xmlns:a14="http://schemas.microsoft.com/office/drawing/2010/main">
-                <a:solidFill>
-                  <a:srgbClr val="FFFFFF"/>
-                </a:solidFill>
-              </a14:hiddenFill>
-            </a:ext>
-          </a:extLst>
-        </p:spPr>
-      </p:pic>
-      <p:pic>
-        <p:nvPicPr>
-          <p:cNvPr id="5" name="Picture 2" descr="D:\SGA\양쌤 기초반\Samjojo(팀포폴-삼국지조조전)\제출서류\image2.png"/>
-          <p:cNvPicPr>
-            <a:picLocks noChangeAspect="1" noChangeArrowheads="1"/>
-          </p:cNvPicPr>
-          <p:nvPr/>
-        </p:nvPicPr>
-        <p:blipFill>
-          <a:blip r:embed="rId2" cstate="print">
-            <a:extLst>
-              <a:ext uri="{28A0092B-C50C-407E-A947-70E740481C1C}">
-                <a14:useLocalDpi xmlns:a14="http://schemas.microsoft.com/office/drawing/2010/main" val="0"/>
-              </a:ext>
-            </a:extLst>
-          </a:blip>
-          <a:srcRect/>
-          <a:stretch>
-            <a:fillRect/>
-          </a:stretch>
-        </p:blipFill>
-        <p:spPr bwMode="auto">
-          <a:xfrm>
-            <a:off x="4268094" y="924974"/>
+            <a:off x="832338" y="924973"/>
             <a:ext cx="3187086" cy="2275427"/>
           </a:xfrm>
           <a:prstGeom prst="rect">
@@ -5059,7 +5018,7 @@
         </p:blipFill>
         <p:spPr bwMode="auto">
           <a:xfrm>
-            <a:off x="832338" y="3510297"/>
+            <a:off x="2529333" y="3510296"/>
             <a:ext cx="3187086" cy="2275427"/>
           </a:xfrm>
           <a:prstGeom prst="rect">
@@ -5100,7 +5059,7 @@
         </p:blipFill>
         <p:spPr bwMode="auto">
           <a:xfrm>
-            <a:off x="4268094" y="3510296"/>
+            <a:off x="4268094" y="924973"/>
             <a:ext cx="3187086" cy="2275427"/>
           </a:xfrm>
           <a:prstGeom prst="rect">
@@ -7899,14 +7858,14 @@
                 <a:gridCol w="3084431">
                   <a:extLst>
                     <a:ext uri="{9D8B030D-6E8A-4147-A177-3AD203B41FA5}">
-                      <a16:colId xmlns="" xmlns:a16="http://schemas.microsoft.com/office/drawing/2014/main" val="20000"/>
+                      <a16:colId xmlns:a16="http://schemas.microsoft.com/office/drawing/2014/main" xmlns="" val="20000"/>
                     </a:ext>
                   </a:extLst>
                 </a:gridCol>
                 <a:gridCol w="489593">
                   <a:extLst>
                     <a:ext uri="{9D8B030D-6E8A-4147-A177-3AD203B41FA5}">
-                      <a16:colId xmlns="" xmlns:a16="http://schemas.microsoft.com/office/drawing/2014/main" val="20001"/>
+                      <a16:colId xmlns:a16="http://schemas.microsoft.com/office/drawing/2014/main" xmlns="" val="20001"/>
                     </a:ext>
                   </a:extLst>
                 </a:gridCol>
@@ -7914,7 +7873,7 @@
                 <a:gridCol w="489593">
                   <a:extLst>
                     <a:ext uri="{9D8B030D-6E8A-4147-A177-3AD203B41FA5}">
-                      <a16:colId xmlns="" xmlns:a16="http://schemas.microsoft.com/office/drawing/2014/main" val="20002"/>
+                      <a16:colId xmlns:a16="http://schemas.microsoft.com/office/drawing/2014/main" xmlns="" val="20002"/>
                     </a:ext>
                   </a:extLst>
                 </a:gridCol>
@@ -7922,7 +7881,7 @@
                 <a:gridCol w="489593">
                   <a:extLst>
                     <a:ext uri="{9D8B030D-6E8A-4147-A177-3AD203B41FA5}">
-                      <a16:colId xmlns="" xmlns:a16="http://schemas.microsoft.com/office/drawing/2014/main" val="20003"/>
+                      <a16:colId xmlns:a16="http://schemas.microsoft.com/office/drawing/2014/main" xmlns="" val="20003"/>
                     </a:ext>
                   </a:extLst>
                 </a:gridCol>
@@ -7930,7 +7889,7 @@
                 <a:gridCol w="489593">
                   <a:extLst>
                     <a:ext uri="{9D8B030D-6E8A-4147-A177-3AD203B41FA5}">
-                      <a16:colId xmlns="" xmlns:a16="http://schemas.microsoft.com/office/drawing/2014/main" val="20004"/>
+                      <a16:colId xmlns:a16="http://schemas.microsoft.com/office/drawing/2014/main" xmlns="" val="20004"/>
                     </a:ext>
                   </a:extLst>
                 </a:gridCol>
@@ -7938,7 +7897,7 @@
                 <a:gridCol w="489593">
                   <a:extLst>
                     <a:ext uri="{9D8B030D-6E8A-4147-A177-3AD203B41FA5}">
-                      <a16:colId xmlns="" xmlns:a16="http://schemas.microsoft.com/office/drawing/2014/main" val="20005"/>
+                      <a16:colId xmlns:a16="http://schemas.microsoft.com/office/drawing/2014/main" xmlns="" val="20005"/>
                     </a:ext>
                   </a:extLst>
                 </a:gridCol>
@@ -7946,7 +7905,7 @@
                 <a:gridCol w="489593">
                   <a:extLst>
                     <a:ext uri="{9D8B030D-6E8A-4147-A177-3AD203B41FA5}">
-                      <a16:colId xmlns="" xmlns:a16="http://schemas.microsoft.com/office/drawing/2014/main" val="20006"/>
+                      <a16:colId xmlns:a16="http://schemas.microsoft.com/office/drawing/2014/main" xmlns="" val="20006"/>
                     </a:ext>
                   </a:extLst>
                 </a:gridCol>
@@ -7954,7 +7913,7 @@
                 <a:gridCol w="489593">
                   <a:extLst>
                     <a:ext uri="{9D8B030D-6E8A-4147-A177-3AD203B41FA5}">
-                      <a16:colId xmlns="" xmlns:a16="http://schemas.microsoft.com/office/drawing/2014/main" val="20007"/>
+                      <a16:colId xmlns:a16="http://schemas.microsoft.com/office/drawing/2014/main" xmlns="" val="20007"/>
                     </a:ext>
                   </a:extLst>
                 </a:gridCol>
@@ -8561,7 +8520,7 @@
                 </a:tc>
                 <a:extLst>
                   <a:ext uri="{0D108BD9-81ED-4DB2-BD59-A6C34878D82A}">
-                    <a16:rowId xmlns="" xmlns:a16="http://schemas.microsoft.com/office/drawing/2014/main" val="10000"/>
+                    <a16:rowId xmlns:a16="http://schemas.microsoft.com/office/drawing/2014/main" xmlns="" val="10000"/>
                   </a:ext>
                 </a:extLst>
               </a:tr>
@@ -8972,7 +8931,7 @@
                 </a:tc>
                 <a:extLst>
                   <a:ext uri="{0D108BD9-81ED-4DB2-BD59-A6C34878D82A}">
-                    <a16:rowId xmlns="" xmlns:a16="http://schemas.microsoft.com/office/drawing/2014/main" val="10001"/>
+                    <a16:rowId xmlns:a16="http://schemas.microsoft.com/office/drawing/2014/main" xmlns="" val="10001"/>
                   </a:ext>
                 </a:extLst>
               </a:tr>
@@ -9473,7 +9432,7 @@
                 </a:tc>
                 <a:extLst>
                   <a:ext uri="{0D108BD9-81ED-4DB2-BD59-A6C34878D82A}">
-                    <a16:rowId xmlns="" xmlns:a16="http://schemas.microsoft.com/office/drawing/2014/main" val="10002"/>
+                    <a16:rowId xmlns:a16="http://schemas.microsoft.com/office/drawing/2014/main" xmlns="" val="10002"/>
                   </a:ext>
                 </a:extLst>
               </a:tr>
@@ -10012,7 +9971,7 @@
                 </a:tc>
                 <a:extLst>
                   <a:ext uri="{0D108BD9-81ED-4DB2-BD59-A6C34878D82A}">
-                    <a16:rowId xmlns="" xmlns:a16="http://schemas.microsoft.com/office/drawing/2014/main" val="10003"/>
+                    <a16:rowId xmlns:a16="http://schemas.microsoft.com/office/drawing/2014/main" xmlns="" val="10003"/>
                   </a:ext>
                 </a:extLst>
               </a:tr>
@@ -10513,7 +10472,7 @@
                 </a:tc>
                 <a:extLst>
                   <a:ext uri="{0D108BD9-81ED-4DB2-BD59-A6C34878D82A}">
-                    <a16:rowId xmlns="" xmlns:a16="http://schemas.microsoft.com/office/drawing/2014/main" val="10004"/>
+                    <a16:rowId xmlns:a16="http://schemas.microsoft.com/office/drawing/2014/main" xmlns="" val="10004"/>
                   </a:ext>
                 </a:extLst>
               </a:tr>
@@ -11057,7 +11016,7 @@
                 </a:tc>
                 <a:extLst>
                   <a:ext uri="{0D108BD9-81ED-4DB2-BD59-A6C34878D82A}">
-                    <a16:rowId xmlns="" xmlns:a16="http://schemas.microsoft.com/office/drawing/2014/main" val="10005"/>
+                    <a16:rowId xmlns:a16="http://schemas.microsoft.com/office/drawing/2014/main" xmlns="" val="10005"/>
                   </a:ext>
                 </a:extLst>
               </a:tr>
@@ -11552,7 +11511,7 @@
                 </a:tc>
                 <a:extLst>
                   <a:ext uri="{0D108BD9-81ED-4DB2-BD59-A6C34878D82A}">
-                    <a16:rowId xmlns="" xmlns:a16="http://schemas.microsoft.com/office/drawing/2014/main" val="10006"/>
+                    <a16:rowId xmlns:a16="http://schemas.microsoft.com/office/drawing/2014/main" xmlns="" val="10006"/>
                   </a:ext>
                 </a:extLst>
               </a:tr>
@@ -12072,7 +12031,7 @@
                 </a:tc>
                 <a:extLst>
                   <a:ext uri="{0D108BD9-81ED-4DB2-BD59-A6C34878D82A}">
-                    <a16:rowId xmlns="" xmlns:a16="http://schemas.microsoft.com/office/drawing/2014/main" val="10007"/>
+                    <a16:rowId xmlns:a16="http://schemas.microsoft.com/office/drawing/2014/main" xmlns="" val="10007"/>
                   </a:ext>
                 </a:extLst>
               </a:tr>
@@ -12563,7 +12522,7 @@
                 </a:tc>
                 <a:extLst>
                   <a:ext uri="{0D108BD9-81ED-4DB2-BD59-A6C34878D82A}">
-                    <a16:rowId xmlns="" xmlns:a16="http://schemas.microsoft.com/office/drawing/2014/main" val="10008"/>
+                    <a16:rowId xmlns:a16="http://schemas.microsoft.com/office/drawing/2014/main" xmlns="" val="10008"/>
                   </a:ext>
                 </a:extLst>
               </a:tr>
@@ -13079,7 +13038,7 @@
                 </a:tc>
                 <a:extLst>
                   <a:ext uri="{0D108BD9-81ED-4DB2-BD59-A6C34878D82A}">
-                    <a16:rowId xmlns="" xmlns:a16="http://schemas.microsoft.com/office/drawing/2014/main" val="10009"/>
+                    <a16:rowId xmlns:a16="http://schemas.microsoft.com/office/drawing/2014/main" xmlns="" val="10009"/>
                   </a:ext>
                 </a:extLst>
               </a:tr>
@@ -13568,7 +13527,7 @@
                 </a:tc>
                 <a:extLst>
                   <a:ext uri="{0D108BD9-81ED-4DB2-BD59-A6C34878D82A}">
-                    <a16:rowId xmlns="" xmlns:a16="http://schemas.microsoft.com/office/drawing/2014/main" val="10010"/>
+                    <a16:rowId xmlns:a16="http://schemas.microsoft.com/office/drawing/2014/main" xmlns="" val="10010"/>
                   </a:ext>
                 </a:extLst>
               </a:tr>
@@ -14100,7 +14059,7 @@
                 </a:tc>
                 <a:extLst>
                   <a:ext uri="{0D108BD9-81ED-4DB2-BD59-A6C34878D82A}">
-                    <a16:rowId xmlns="" xmlns:a16="http://schemas.microsoft.com/office/drawing/2014/main" val="10011"/>
+                    <a16:rowId xmlns:a16="http://schemas.microsoft.com/office/drawing/2014/main" xmlns="" val="10011"/>
                   </a:ext>
                 </a:extLst>
               </a:tr>
@@ -14585,7 +14544,7 @@
                 </a:tc>
                 <a:extLst>
                   <a:ext uri="{0D108BD9-81ED-4DB2-BD59-A6C34878D82A}">
-                    <a16:rowId xmlns="" xmlns:a16="http://schemas.microsoft.com/office/drawing/2014/main" val="10012"/>
+                    <a16:rowId xmlns:a16="http://schemas.microsoft.com/office/drawing/2014/main" xmlns="" val="10012"/>
                   </a:ext>
                 </a:extLst>
               </a:tr>
@@ -15110,7 +15069,7 @@
                 </a:tc>
                 <a:extLst>
                   <a:ext uri="{0D108BD9-81ED-4DB2-BD59-A6C34878D82A}">
-                    <a16:rowId xmlns="" xmlns:a16="http://schemas.microsoft.com/office/drawing/2014/main" val="10013"/>
+                    <a16:rowId xmlns:a16="http://schemas.microsoft.com/office/drawing/2014/main" xmlns="" val="10013"/>
                   </a:ext>
                 </a:extLst>
               </a:tr>
@@ -15601,7 +15560,7 @@
                 </a:tc>
                 <a:extLst>
                   <a:ext uri="{0D108BD9-81ED-4DB2-BD59-A6C34878D82A}">
-                    <a16:rowId xmlns="" xmlns:a16="http://schemas.microsoft.com/office/drawing/2014/main" val="10014"/>
+                    <a16:rowId xmlns:a16="http://schemas.microsoft.com/office/drawing/2014/main" xmlns="" val="10014"/>
                   </a:ext>
                 </a:extLst>
               </a:tr>
@@ -17413,7 +17372,7 @@
   <a:extraClrSchemeLst/>
   <a:extLst>
     <a:ext uri="{05A4C25C-085E-4340-85A3-A5531E510DB2}">
-      <thm15:themeFamily xmlns="" xmlns:thm15="http://schemas.microsoft.com/office/thememl/2012/main" name="Retrospect" id="{5F128B03-DCCA-4EEB-AB3B-CF2899314A46}" vid="{3F1AAB62-24C6-49D2-8E01-B56FAC9A3DCD}"/>
+      <thm15:themeFamily xmlns:thm15="http://schemas.microsoft.com/office/thememl/2012/main" xmlns="" name="Retrospect" id="{5F128B03-DCCA-4EEB-AB3B-CF2899314A46}" vid="{3F1AAB62-24C6-49D2-8E01-B56FAC9A3DCD}"/>
     </a:ext>
   </a:extLst>
 </a:theme>
